--- a/Vasileios Dimitriou.pptx
+++ b/Vasileios Dimitriou.pptx
@@ -7,6 +7,7 @@
   <p:sldIdLst>
     <p:sldId id="256" r:id="rId2"/>
     <p:sldId id="257" r:id="rId3"/>
+    <p:sldId id="258" r:id="rId4"/>
   </p:sldIdLst>
   <p:sldSz cx="9144000" cy="6858000" type="screen4x3"/>
   <p:notesSz cx="6858000" cy="9144000"/>
@@ -5215,6 +5216,123 @@
 </p:sld>
 </file>
 
+<file path=ppt/slides/slide3.xml><?xml version="1.0" encoding="utf-8"?>
+<p:sld xmlns:a="http://schemas.openxmlformats.org/drawingml/2006/main" xmlns:r="http://schemas.openxmlformats.org/officeDocument/2006/relationships" xmlns:p="http://schemas.openxmlformats.org/presentationml/2006/main">
+  <p:cSld>
+    <p:spTree>
+      <p:nvGrpSpPr>
+        <p:cNvPr id="1" name=""/>
+        <p:cNvGrpSpPr/>
+        <p:nvPr/>
+      </p:nvGrpSpPr>
+      <p:grpSpPr>
+        <a:xfrm>
+          <a:off x="0" y="0"/>
+          <a:ext cx="0" cy="0"/>
+          <a:chOff x="0" y="0"/>
+          <a:chExt cx="0" cy="0"/>
+        </a:xfrm>
+      </p:grpSpPr>
+      <p:sp>
+        <p:nvSpPr>
+          <p:cNvPr id="2" name="1 - Τίτλος"/>
+          <p:cNvSpPr>
+            <a:spLocks noGrp="1"/>
+          </p:cNvSpPr>
+          <p:nvPr>
+            <p:ph type="title"/>
+          </p:nvPr>
+        </p:nvSpPr>
+        <p:spPr/>
+        <p:txBody>
+          <a:bodyPr/>
+          <a:lstStyle/>
+          <a:p>
+            <a:r>
+              <a:rPr lang="en-US" dirty="0" smtClean="0"/>
+              <a:t>Data Set </a:t>
+            </a:r>
+            <a:endParaRPr lang="el-GR" dirty="0"/>
+          </a:p>
+        </p:txBody>
+      </p:sp>
+      <p:sp>
+        <p:nvSpPr>
+          <p:cNvPr id="3" name="2 - Θέση περιεχομένου"/>
+          <p:cNvSpPr>
+            <a:spLocks noGrp="1"/>
+          </p:cNvSpPr>
+          <p:nvPr>
+            <p:ph sz="quarter" idx="1"/>
+          </p:nvPr>
+        </p:nvSpPr>
+        <p:spPr>
+          <a:xfrm>
+            <a:off x="457200" y="1600200"/>
+            <a:ext cx="7467600" cy="1108720"/>
+          </a:xfrm>
+        </p:spPr>
+        <p:txBody>
+          <a:bodyPr>
+            <a:normAutofit fontScale="70000" lnSpcReduction="20000"/>
+          </a:bodyPr>
+          <a:lstStyle/>
+          <a:p>
+            <a:pPr>
+              <a:buNone/>
+            </a:pPr>
+            <a:r>
+              <a:rPr lang="en-US" dirty="0" smtClean="0">
+                <a:hlinkClick r:id="rId2"/>
+              </a:rPr>
+              <a:t>Index of /ml/machine-learning-databases/breast-cancer-</a:t>
+            </a:r>
+            <a:r>
+              <a:rPr lang="en-US" dirty="0" err="1" smtClean="0">
+                <a:hlinkClick r:id="rId2"/>
+              </a:rPr>
+              <a:t>wisconsin</a:t>
+            </a:r>
+            <a:r>
+              <a:rPr lang="en-US" dirty="0" smtClean="0">
+                <a:hlinkClick r:id="rId2"/>
+              </a:rPr>
+              <a:t> (uci.edu</a:t>
+            </a:r>
+            <a:r>
+              <a:rPr lang="en-US" dirty="0" smtClean="0">
+                <a:hlinkClick r:id="rId2"/>
+              </a:rPr>
+              <a:t>)</a:t>
+            </a:r>
+            <a:r>
+              <a:rPr lang="en-US" dirty="0" smtClean="0"/>
+              <a:t>  [</a:t>
+            </a:r>
+            <a:r>
+              <a:rPr lang="en-US" dirty="0" err="1" smtClean="0"/>
+              <a:t>Dua</a:t>
+            </a:r>
+            <a:r>
+              <a:rPr lang="en-US" dirty="0" smtClean="0"/>
+              <a:t>, D. and Graff, C. (2019). UCI Machine Learning Repository [http://archive.ics.uci.edu/ml]. Irvine, CA: University of California, School of Information and Computer Science</a:t>
+            </a:r>
+            <a:r>
+              <a:rPr lang="en-US" dirty="0" smtClean="0"/>
+              <a:t>.]</a:t>
+            </a:r>
+            <a:endParaRPr lang="el-GR" dirty="0"/>
+          </a:p>
+        </p:txBody>
+      </p:sp>
+    </p:spTree>
+  </p:cSld>
+  <p:clrMapOvr>
+    <a:masterClrMapping/>
+  </p:clrMapOvr>
+</p:sld>
+</file>
+
 <file path=ppt/theme/theme1.xml><?xml version="1.0" encoding="utf-8"?>
 <a:theme xmlns:a="http://schemas.openxmlformats.org/drawingml/2006/main" name="Προεξοχή">
   <a:themeElements>

--- a/Vasileios Dimitriou.pptx
+++ b/Vasileios Dimitriou.pptx
@@ -246,7 +246,8 @@
           <a:p>
             <a:fld id="{5DB993E1-127C-4148-8162-6340ADA0F084}" type="datetimeFigureOut">
               <a:rPr lang="el-GR" smtClean="0"/>
-              <a:t>12/3/2023</a:t>
+              <a:pPr/>
+              <a:t>15/3/2023</a:t>
             </a:fld>
             <a:endParaRPr lang="el-GR"/>
           </a:p>
@@ -992,6 +993,7 @@
           <a:p>
             <a:fld id="{C178494C-32A0-42C4-9CE0-9A3469CB3E58}" type="slidenum">
               <a:rPr lang="el-GR" smtClean="0"/>
+              <a:pPr/>
               <a:t>‹#›</a:t>
             </a:fld>
             <a:endParaRPr lang="el-GR"/>
@@ -1115,7 +1117,8 @@
           <a:p>
             <a:fld id="{5DB993E1-127C-4148-8162-6340ADA0F084}" type="datetimeFigureOut">
               <a:rPr lang="el-GR" smtClean="0"/>
-              <a:t>12/3/2023</a:t>
+              <a:pPr/>
+              <a:t>15/3/2023</a:t>
             </a:fld>
             <a:endParaRPr lang="el-GR"/>
           </a:p>
@@ -1157,6 +1160,7 @@
           <a:p>
             <a:fld id="{C178494C-32A0-42C4-9CE0-9A3469CB3E58}" type="slidenum">
               <a:rPr lang="el-GR" smtClean="0"/>
+              <a:pPr/>
               <a:t>‹#›</a:t>
             </a:fld>
             <a:endParaRPr lang="el-GR"/>
@@ -1290,7 +1294,8 @@
           <a:p>
             <a:fld id="{5DB993E1-127C-4148-8162-6340ADA0F084}" type="datetimeFigureOut">
               <a:rPr lang="el-GR" smtClean="0"/>
-              <a:t>12/3/2023</a:t>
+              <a:pPr/>
+              <a:t>15/3/2023</a:t>
             </a:fld>
             <a:endParaRPr lang="el-GR"/>
           </a:p>
@@ -1332,6 +1337,7 @@
           <a:p>
             <a:fld id="{C178494C-32A0-42C4-9CE0-9A3469CB3E58}" type="slidenum">
               <a:rPr lang="el-GR" smtClean="0"/>
+              <a:pPr/>
               <a:t>‹#›</a:t>
             </a:fld>
             <a:endParaRPr lang="el-GR"/>
@@ -1460,7 +1466,8 @@
           <a:p>
             <a:fld id="{5DB993E1-127C-4148-8162-6340ADA0F084}" type="datetimeFigureOut">
               <a:rPr lang="el-GR" smtClean="0"/>
-              <a:t>12/3/2023</a:t>
+              <a:pPr/>
+              <a:t>15/3/2023</a:t>
             </a:fld>
             <a:endParaRPr lang="el-GR"/>
           </a:p>
@@ -1483,6 +1490,7 @@
           <a:p>
             <a:fld id="{C178494C-32A0-42C4-9CE0-9A3469CB3E58}" type="slidenum">
               <a:rPr lang="el-GR" smtClean="0"/>
+              <a:pPr/>
               <a:t>‹#›</a:t>
             </a:fld>
             <a:endParaRPr lang="el-GR"/>
@@ -1670,7 +1678,8 @@
           <a:p>
             <a:fld id="{5DB993E1-127C-4148-8162-6340ADA0F084}" type="datetimeFigureOut">
               <a:rPr lang="el-GR" smtClean="0"/>
-              <a:t>12/3/2023</a:t>
+              <a:pPr/>
+              <a:t>15/3/2023</a:t>
             </a:fld>
             <a:endParaRPr lang="el-GR"/>
           </a:p>
@@ -2413,6 +2422,7 @@
           <a:p>
             <a:fld id="{C178494C-32A0-42C4-9CE0-9A3469CB3E58}" type="slidenum">
               <a:rPr lang="el-GR" smtClean="0"/>
+              <a:pPr/>
               <a:t>‹#›</a:t>
             </a:fld>
             <a:endParaRPr lang="el-GR"/>
@@ -2484,7 +2494,8 @@
           <a:p>
             <a:fld id="{5DB993E1-127C-4148-8162-6340ADA0F084}" type="datetimeFigureOut">
               <a:rPr lang="el-GR" smtClean="0"/>
-              <a:t>12/3/2023</a:t>
+              <a:pPr/>
+              <a:t>15/3/2023</a:t>
             </a:fld>
             <a:endParaRPr lang="el-GR"/>
           </a:p>
@@ -2526,6 +2537,7 @@
           <a:p>
             <a:fld id="{C178494C-32A0-42C4-9CE0-9A3469CB3E58}" type="slidenum">
               <a:rPr lang="el-GR" smtClean="0"/>
+              <a:pPr/>
               <a:t>‹#›</a:t>
             </a:fld>
             <a:endParaRPr lang="el-GR"/>
@@ -2720,7 +2732,8 @@
           <a:p>
             <a:fld id="{5DB993E1-127C-4148-8162-6340ADA0F084}" type="datetimeFigureOut">
               <a:rPr lang="el-GR" smtClean="0"/>
-              <a:t>12/3/2023</a:t>
+              <a:pPr/>
+              <a:t>15/3/2023</a:t>
             </a:fld>
             <a:endParaRPr lang="el-GR"/>
           </a:p>
@@ -2762,6 +2775,7 @@
           <a:p>
             <a:fld id="{C178494C-32A0-42C4-9CE0-9A3469CB3E58}" type="slidenum">
               <a:rPr lang="el-GR" smtClean="0"/>
+              <a:pPr/>
               <a:t>‹#›</a:t>
             </a:fld>
             <a:endParaRPr lang="el-GR"/>
@@ -3043,7 +3057,8 @@
           <a:p>
             <a:fld id="{5DB993E1-127C-4148-8162-6340ADA0F084}" type="datetimeFigureOut">
               <a:rPr lang="el-GR" smtClean="0"/>
-              <a:t>12/3/2023</a:t>
+              <a:pPr/>
+              <a:t>15/3/2023</a:t>
             </a:fld>
             <a:endParaRPr lang="el-GR"/>
           </a:p>
@@ -3066,6 +3081,7 @@
           <a:p>
             <a:fld id="{C178494C-32A0-42C4-9CE0-9A3469CB3E58}" type="slidenum">
               <a:rPr lang="el-GR" smtClean="0"/>
+              <a:pPr/>
               <a:t>‹#›</a:t>
             </a:fld>
             <a:endParaRPr lang="el-GR"/>
@@ -3133,7 +3149,8 @@
           <a:p>
             <a:fld id="{5DB993E1-127C-4148-8162-6340ADA0F084}" type="datetimeFigureOut">
               <a:rPr lang="el-GR" smtClean="0"/>
-              <a:t>12/3/2023</a:t>
+              <a:pPr/>
+              <a:t>15/3/2023</a:t>
             </a:fld>
             <a:endParaRPr lang="el-GR"/>
           </a:p>
@@ -3175,6 +3192,7 @@
           <a:p>
             <a:fld id="{C178494C-32A0-42C4-9CE0-9A3469CB3E58}" type="slidenum">
               <a:rPr lang="el-GR" smtClean="0"/>
+              <a:pPr/>
               <a:t>‹#›</a:t>
             </a:fld>
             <a:endParaRPr lang="el-GR"/>
@@ -3650,7 +3668,8 @@
           <a:p>
             <a:fld id="{5DB993E1-127C-4148-8162-6340ADA0F084}" type="datetimeFigureOut">
               <a:rPr lang="el-GR" smtClean="0"/>
-              <a:t>12/3/2023</a:t>
+              <a:pPr/>
+              <a:t>15/3/2023</a:t>
             </a:fld>
             <a:endParaRPr lang="el-GR"/>
           </a:p>
@@ -3673,6 +3692,7 @@
           <a:p>
             <a:fld id="{C178494C-32A0-42C4-9CE0-9A3469CB3E58}" type="slidenum">
               <a:rPr lang="el-GR" smtClean="0"/>
+              <a:pPr/>
               <a:t>‹#›</a:t>
             </a:fld>
             <a:endParaRPr lang="el-GR"/>
@@ -4161,7 +4181,8 @@
           <a:p>
             <a:fld id="{5DB993E1-127C-4148-8162-6340ADA0F084}" type="datetimeFigureOut">
               <a:rPr lang="el-GR" smtClean="0"/>
-              <a:t>12/3/2023</a:t>
+              <a:pPr/>
+              <a:t>15/3/2023</a:t>
             </a:fld>
             <a:endParaRPr lang="el-GR"/>
           </a:p>
@@ -4184,6 +4205,7 @@
           <a:p>
             <a:fld id="{C178494C-32A0-42C4-9CE0-9A3469CB3E58}" type="slidenum">
               <a:rPr lang="el-GR" smtClean="0"/>
+              <a:pPr/>
               <a:t>‹#›</a:t>
             </a:fld>
             <a:endParaRPr lang="el-GR"/>
@@ -4406,7 +4428,8 @@
           <a:p>
             <a:fld id="{5DB993E1-127C-4148-8162-6340ADA0F084}" type="datetimeFigureOut">
               <a:rPr lang="el-GR" smtClean="0"/>
-              <a:t>12/3/2023</a:t>
+              <a:pPr/>
+              <a:t>15/3/2023</a:t>
             </a:fld>
             <a:endParaRPr lang="el-GR"/>
           </a:p>
@@ -4682,6 +4705,7 @@
           <a:p>
             <a:fld id="{C178494C-32A0-42C4-9CE0-9A3469CB3E58}" type="slidenum">
               <a:rPr lang="el-GR" smtClean="0"/>
+              <a:pPr/>
               <a:t>‹#›</a:t>
             </a:fld>
             <a:endParaRPr lang="el-GR"/>
@@ -5156,11 +5180,7 @@
           <a:p>
             <a:r>
               <a:rPr lang="el-GR" dirty="0" smtClean="0"/>
-              <a:t>Το </a:t>
-            </a:r>
-            <a:r>
-              <a:rPr lang="el-GR" dirty="0" smtClean="0"/>
-              <a:t>βασικό παραδοτέο είναι ένα κείμενο </a:t>
+              <a:t>Το βασικό παραδοτέο είναι ένα κείμενο </a:t>
             </a:r>
             <a:r>
               <a:rPr lang="el-GR" b="1" dirty="0" smtClean="0"/>
@@ -5193,7 +5213,6 @@
               <a:rPr lang="el-GR" dirty="0" smtClean="0"/>
               <a:t>Πρέπει να ξεκινάει υποχρεωτικά με την ακόλουθη παράγραφο:</a:t>
             </a:r>
-            <a:endParaRPr lang="el-GR" dirty="0" smtClean="0"/>
           </a:p>
           <a:p>
             <a:pPr lvl="1"/>
@@ -5274,7 +5293,7 @@
         </p:spPr>
         <p:txBody>
           <a:bodyPr>
-            <a:normAutofit fontScale="70000" lnSpcReduction="20000"/>
+            <a:normAutofit fontScale="55000" lnSpcReduction="20000"/>
           </a:bodyPr>
           <a:lstStyle/>
           <a:p>
@@ -5297,25 +5316,55 @@
               <a:rPr lang="en-US" dirty="0" smtClean="0">
                 <a:hlinkClick r:id="rId2"/>
               </a:rPr>
-              <a:t> (uci.edu</a:t>
-            </a:r>
-            <a:r>
-              <a:rPr lang="en-US" dirty="0" smtClean="0">
-                <a:hlinkClick r:id="rId2"/>
-              </a:rPr>
-              <a:t>)</a:t>
+              <a:t> (uci.edu)</a:t>
             </a:r>
             <a:r>
               <a:rPr lang="en-US" dirty="0" smtClean="0"/>
-              <a:t>  [</a:t>
+              <a:t>  </a:t>
+            </a:r>
+            <a:r>
+              <a:rPr lang="en-US" dirty="0" smtClean="0"/>
+              <a:t>[</a:t>
             </a:r>
             <a:r>
               <a:rPr lang="en-US" dirty="0" err="1" smtClean="0"/>
-              <a:t>Dua</a:t>
+              <a:t>Wolberg</a:t>
             </a:r>
             <a:r>
               <a:rPr lang="en-US" dirty="0" smtClean="0"/>
-              <a:t>, D. and Graff, C. (2019). UCI Machine Learning Repository [http://archive.ics.uci.edu/ml]. Irvine, CA: University of California, School of Information and Computer Science</a:t>
+              <a:t>, </a:t>
+            </a:r>
+            <a:r>
+              <a:rPr lang="en-US" dirty="0" smtClean="0"/>
+              <a:t>W</a:t>
+            </a:r>
+            <a:r>
+              <a:rPr lang="en-US" dirty="0" smtClean="0"/>
+              <a:t>. , Street N. and </a:t>
+            </a:r>
+            <a:r>
+              <a:rPr lang="en-US" dirty="0" err="1" smtClean="0"/>
+              <a:t>Mangasarian</a:t>
+            </a:r>
+            <a:r>
+              <a:rPr lang="en-US" dirty="0" smtClean="0"/>
+              <a:t> O.. </a:t>
+            </a:r>
+            <a:r>
+              <a:rPr lang="en-US" dirty="0" smtClean="0"/>
+              <a:t>UCI Machine Learning Repository </a:t>
+            </a:r>
+            <a:r>
+              <a:rPr lang="en-US" dirty="0" smtClean="0"/>
+              <a:t>[http</a:t>
+            </a:r>
+            <a:r>
+              <a:rPr lang="en-US" dirty="0" smtClean="0"/>
+              <a:t>://archive.ics.uci.edu/mldatasets/Breast+Cancer+Wisconsin+%28Diagnostic%29]. </a:t>
+            </a:r>
+            <a:r>
+              <a:rPr lang="en-US" dirty="0" smtClean="0"/>
+              <a:t>Irvine, CA: University of California, School of Information and Computer Science</a:t>
             </a:r>
             <a:r>
               <a:rPr lang="en-US" dirty="0" smtClean="0"/>

--- a/Vasileios Dimitriou.pptx
+++ b/Vasileios Dimitriou.pptx
@@ -247,7 +247,7 @@
             <a:fld id="{5DB993E1-127C-4148-8162-6340ADA0F084}" type="datetimeFigureOut">
               <a:rPr lang="el-GR" smtClean="0"/>
               <a:pPr/>
-              <a:t>15/3/2023</a:t>
+              <a:t>17/3/2023</a:t>
             </a:fld>
             <a:endParaRPr lang="el-GR"/>
           </a:p>
@@ -1118,7 +1118,7 @@
             <a:fld id="{5DB993E1-127C-4148-8162-6340ADA0F084}" type="datetimeFigureOut">
               <a:rPr lang="el-GR" smtClean="0"/>
               <a:pPr/>
-              <a:t>15/3/2023</a:t>
+              <a:t>17/3/2023</a:t>
             </a:fld>
             <a:endParaRPr lang="el-GR"/>
           </a:p>
@@ -1295,7 +1295,7 @@
             <a:fld id="{5DB993E1-127C-4148-8162-6340ADA0F084}" type="datetimeFigureOut">
               <a:rPr lang="el-GR" smtClean="0"/>
               <a:pPr/>
-              <a:t>15/3/2023</a:t>
+              <a:t>17/3/2023</a:t>
             </a:fld>
             <a:endParaRPr lang="el-GR"/>
           </a:p>
@@ -1467,7 +1467,7 @@
             <a:fld id="{5DB993E1-127C-4148-8162-6340ADA0F084}" type="datetimeFigureOut">
               <a:rPr lang="el-GR" smtClean="0"/>
               <a:pPr/>
-              <a:t>15/3/2023</a:t>
+              <a:t>17/3/2023</a:t>
             </a:fld>
             <a:endParaRPr lang="el-GR"/>
           </a:p>
@@ -1679,7 +1679,7 @@
             <a:fld id="{5DB993E1-127C-4148-8162-6340ADA0F084}" type="datetimeFigureOut">
               <a:rPr lang="el-GR" smtClean="0"/>
               <a:pPr/>
-              <a:t>15/3/2023</a:t>
+              <a:t>17/3/2023</a:t>
             </a:fld>
             <a:endParaRPr lang="el-GR"/>
           </a:p>
@@ -2495,7 +2495,7 @@
             <a:fld id="{5DB993E1-127C-4148-8162-6340ADA0F084}" type="datetimeFigureOut">
               <a:rPr lang="el-GR" smtClean="0"/>
               <a:pPr/>
-              <a:t>15/3/2023</a:t>
+              <a:t>17/3/2023</a:t>
             </a:fld>
             <a:endParaRPr lang="el-GR"/>
           </a:p>
@@ -2733,7 +2733,7 @@
             <a:fld id="{5DB993E1-127C-4148-8162-6340ADA0F084}" type="datetimeFigureOut">
               <a:rPr lang="el-GR" smtClean="0"/>
               <a:pPr/>
-              <a:t>15/3/2023</a:t>
+              <a:t>17/3/2023</a:t>
             </a:fld>
             <a:endParaRPr lang="el-GR"/>
           </a:p>
@@ -3058,7 +3058,7 @@
             <a:fld id="{5DB993E1-127C-4148-8162-6340ADA0F084}" type="datetimeFigureOut">
               <a:rPr lang="el-GR" smtClean="0"/>
               <a:pPr/>
-              <a:t>15/3/2023</a:t>
+              <a:t>17/3/2023</a:t>
             </a:fld>
             <a:endParaRPr lang="el-GR"/>
           </a:p>
@@ -3150,7 +3150,7 @@
             <a:fld id="{5DB993E1-127C-4148-8162-6340ADA0F084}" type="datetimeFigureOut">
               <a:rPr lang="el-GR" smtClean="0"/>
               <a:pPr/>
-              <a:t>15/3/2023</a:t>
+              <a:t>17/3/2023</a:t>
             </a:fld>
             <a:endParaRPr lang="el-GR"/>
           </a:p>
@@ -3669,7 +3669,7 @@
             <a:fld id="{5DB993E1-127C-4148-8162-6340ADA0F084}" type="datetimeFigureOut">
               <a:rPr lang="el-GR" smtClean="0"/>
               <a:pPr/>
-              <a:t>15/3/2023</a:t>
+              <a:t>17/3/2023</a:t>
             </a:fld>
             <a:endParaRPr lang="el-GR"/>
           </a:p>
@@ -4182,7 +4182,7 @@
             <a:fld id="{5DB993E1-127C-4148-8162-6340ADA0F084}" type="datetimeFigureOut">
               <a:rPr lang="el-GR" smtClean="0"/>
               <a:pPr/>
-              <a:t>15/3/2023</a:t>
+              <a:t>17/3/2023</a:t>
             </a:fld>
             <a:endParaRPr lang="el-GR"/>
           </a:p>
@@ -4429,7 +4429,7 @@
             <a:fld id="{5DB993E1-127C-4148-8162-6340ADA0F084}" type="datetimeFigureOut">
               <a:rPr lang="el-GR" smtClean="0"/>
               <a:pPr/>
-              <a:t>15/3/2023</a:t>
+              <a:t>17/3/2023</a:t>
             </a:fld>
             <a:endParaRPr lang="el-GR"/>
           </a:p>
@@ -5320,11 +5320,7 @@
             </a:r>
             <a:r>
               <a:rPr lang="en-US" dirty="0" smtClean="0"/>
-              <a:t>  </a:t>
-            </a:r>
-            <a:r>
-              <a:rPr lang="en-US" dirty="0" smtClean="0"/>
-              <a:t>[</a:t>
+              <a:t>  [</a:t>
             </a:r>
             <a:r>
               <a:rPr lang="en-US" dirty="0" err="1" smtClean="0"/>
@@ -5332,15 +5328,7 @@
             </a:r>
             <a:r>
               <a:rPr lang="en-US" dirty="0" smtClean="0"/>
-              <a:t>, </a:t>
-            </a:r>
-            <a:r>
-              <a:rPr lang="en-US" dirty="0" smtClean="0"/>
-              <a:t>W</a:t>
-            </a:r>
-            <a:r>
-              <a:rPr lang="en-US" dirty="0" smtClean="0"/>
-              <a:t>. , Street N. and </a:t>
+              <a:t>, W. , Street N. and </a:t>
             </a:r>
             <a:r>
               <a:rPr lang="en-US" dirty="0" err="1" smtClean="0"/>
@@ -5348,27 +5336,37 @@
             </a:r>
             <a:r>
               <a:rPr lang="en-US" dirty="0" smtClean="0"/>
-              <a:t> O.. </a:t>
-            </a:r>
-            <a:r>
-              <a:rPr lang="en-US" dirty="0" smtClean="0"/>
-              <a:t>UCI Machine Learning Repository </a:t>
-            </a:r>
-            <a:r>
-              <a:rPr lang="en-US" dirty="0" smtClean="0"/>
-              <a:t>[http</a:t>
-            </a:r>
-            <a:r>
-              <a:rPr lang="en-US" dirty="0" smtClean="0"/>
-              <a:t>://archive.ics.uci.edu/mldatasets/Breast+Cancer+Wisconsin+%28Diagnostic%29]. </a:t>
-            </a:r>
-            <a:r>
-              <a:rPr lang="en-US" dirty="0" smtClean="0"/>
-              <a:t>Irvine, CA: University of California, School of Information and Computer Science</a:t>
+              <a:t> O.. UCI Machine Learning Repository [http://archive.ics.uci.edu/mldatasets/Breast+Cancer+Wisconsin+%28Diagnostic%29]. Irvine, CA: University of California, School of Information and Computer Science</a:t>
             </a:r>
             <a:r>
               <a:rPr lang="en-US" dirty="0" smtClean="0"/>
               <a:t>.]</a:t>
+            </a:r>
+            <a:r>
+              <a:rPr lang="el-GR" dirty="0" smtClean="0"/>
+              <a:t> (</a:t>
+            </a:r>
+            <a:r>
+              <a:rPr lang="en-US" dirty="0" smtClean="0">
+                <a:hlinkClick r:id="rId3"/>
+              </a:rPr>
+              <a:t>UCI </a:t>
+            </a:r>
+            <a:r>
+              <a:rPr lang="en-US" dirty="0" smtClean="0">
+                <a:hlinkClick r:id="rId3"/>
+              </a:rPr>
+              <a:t>Machine Learning Repository: Breast Cancer Wisconsin (Diagnostic) Data </a:t>
+            </a:r>
+            <a:r>
+              <a:rPr lang="en-US" dirty="0" smtClean="0">
+                <a:hlinkClick r:id="rId3"/>
+              </a:rPr>
+              <a:t>Set</a:t>
+            </a:r>
+            <a:r>
+              <a:rPr lang="el-GR" dirty="0" smtClean="0"/>
+              <a:t>)</a:t>
             </a:r>
             <a:endParaRPr lang="el-GR" dirty="0"/>
           </a:p>

--- a/Vasileios Dimitriou.pptx
+++ b/Vasileios Dimitriou.pptx
@@ -4,10 +4,15 @@
   <p:sldMasterIdLst>
     <p:sldMasterId id="2147483672" r:id="rId1"/>
   </p:sldMasterIdLst>
+  <p:notesMasterIdLst>
+    <p:notesMasterId r:id="rId7"/>
+  </p:notesMasterIdLst>
   <p:sldIdLst>
     <p:sldId id="256" r:id="rId2"/>
     <p:sldId id="257" r:id="rId3"/>
-    <p:sldId id="258" r:id="rId4"/>
+    <p:sldId id="260" r:id="rId4"/>
+    <p:sldId id="259" r:id="rId5"/>
+    <p:sldId id="261" r:id="rId6"/>
   </p:sldIdLst>
   <p:sldSz cx="9144000" cy="6858000" type="screen4x3"/>
   <p:notesSz cx="6858000" cy="9144000"/>
@@ -109,6 +114,434 @@
 </p:presentation>
 </file>
 
+<file path=ppt/notesMasters/notesMaster1.xml><?xml version="1.0" encoding="utf-8"?>
+<p:notesMaster xmlns:a="http://schemas.openxmlformats.org/drawingml/2006/main" xmlns:r="http://schemas.openxmlformats.org/officeDocument/2006/relationships" xmlns:p="http://schemas.openxmlformats.org/presentationml/2006/main">
+  <p:cSld>
+    <p:bg>
+      <p:bgRef idx="1001">
+        <a:schemeClr val="bg1"/>
+      </p:bgRef>
+    </p:bg>
+    <p:spTree>
+      <p:nvGrpSpPr>
+        <p:cNvPr id="1" name=""/>
+        <p:cNvGrpSpPr/>
+        <p:nvPr/>
+      </p:nvGrpSpPr>
+      <p:grpSpPr>
+        <a:xfrm>
+          <a:off x="0" y="0"/>
+          <a:ext cx="0" cy="0"/>
+          <a:chOff x="0" y="0"/>
+          <a:chExt cx="0" cy="0"/>
+        </a:xfrm>
+      </p:grpSpPr>
+      <p:sp>
+        <p:nvSpPr>
+          <p:cNvPr id="2" name="1 - Θέση κεφαλίδας"/>
+          <p:cNvSpPr>
+            <a:spLocks noGrp="1"/>
+          </p:cNvSpPr>
+          <p:nvPr>
+            <p:ph type="hdr" sz="quarter"/>
+          </p:nvPr>
+        </p:nvSpPr>
+        <p:spPr>
+          <a:xfrm>
+            <a:off x="0" y="0"/>
+            <a:ext cx="2971800" cy="457200"/>
+          </a:xfrm>
+          <a:prstGeom prst="rect">
+            <a:avLst/>
+          </a:prstGeom>
+        </p:spPr>
+        <p:txBody>
+          <a:bodyPr vert="horz" lIns="91440" tIns="45720" rIns="91440" bIns="45720" rtlCol="0"/>
+          <a:lstStyle>
+            <a:lvl1pPr algn="l">
+              <a:defRPr sz="1200"/>
+            </a:lvl1pPr>
+          </a:lstStyle>
+          <a:p>
+            <a:endParaRPr lang="el-GR"/>
+          </a:p>
+        </p:txBody>
+      </p:sp>
+      <p:sp>
+        <p:nvSpPr>
+          <p:cNvPr id="3" name="2 - Θέση ημερομηνίας"/>
+          <p:cNvSpPr>
+            <a:spLocks noGrp="1"/>
+          </p:cNvSpPr>
+          <p:nvPr>
+            <p:ph type="dt" idx="1"/>
+          </p:nvPr>
+        </p:nvSpPr>
+        <p:spPr>
+          <a:xfrm>
+            <a:off x="3884613" y="0"/>
+            <a:ext cx="2971800" cy="457200"/>
+          </a:xfrm>
+          <a:prstGeom prst="rect">
+            <a:avLst/>
+          </a:prstGeom>
+        </p:spPr>
+        <p:txBody>
+          <a:bodyPr vert="horz" lIns="91440" tIns="45720" rIns="91440" bIns="45720" rtlCol="0"/>
+          <a:lstStyle>
+            <a:lvl1pPr algn="r">
+              <a:defRPr sz="1200"/>
+            </a:lvl1pPr>
+          </a:lstStyle>
+          <a:p>
+            <a:fld id="{1449A83A-E12D-4A0B-B373-0D24DEFAC7FD}" type="datetimeFigureOut">
+              <a:rPr lang="el-GR" smtClean="0"/>
+              <a:t>26/3/2023</a:t>
+            </a:fld>
+            <a:endParaRPr lang="el-GR"/>
+          </a:p>
+        </p:txBody>
+      </p:sp>
+      <p:sp>
+        <p:nvSpPr>
+          <p:cNvPr id="4" name="3 - Θέση εικόνας διαφάνειας"/>
+          <p:cNvSpPr>
+            <a:spLocks noGrp="1" noRot="1" noChangeAspect="1"/>
+          </p:cNvSpPr>
+          <p:nvPr>
+            <p:ph type="sldImg" idx="2"/>
+          </p:nvPr>
+        </p:nvSpPr>
+        <p:spPr>
+          <a:xfrm>
+            <a:off x="1143000" y="685800"/>
+            <a:ext cx="4572000" cy="3429000"/>
+          </a:xfrm>
+          <a:prstGeom prst="rect">
+            <a:avLst/>
+          </a:prstGeom>
+          <a:noFill/>
+          <a:ln w="12700">
+            <a:solidFill>
+              <a:prstClr val="black"/>
+            </a:solidFill>
+          </a:ln>
+        </p:spPr>
+        <p:txBody>
+          <a:bodyPr vert="horz" lIns="91440" tIns="45720" rIns="91440" bIns="45720" rtlCol="0" anchor="ctr"/>
+          <a:lstStyle/>
+          <a:p>
+            <a:endParaRPr lang="el-GR"/>
+          </a:p>
+        </p:txBody>
+      </p:sp>
+      <p:sp>
+        <p:nvSpPr>
+          <p:cNvPr id="5" name="4 - Θέση σημειώσεων"/>
+          <p:cNvSpPr>
+            <a:spLocks noGrp="1"/>
+          </p:cNvSpPr>
+          <p:nvPr>
+            <p:ph type="body" sz="quarter" idx="3"/>
+          </p:nvPr>
+        </p:nvSpPr>
+        <p:spPr>
+          <a:xfrm>
+            <a:off x="685800" y="4343400"/>
+            <a:ext cx="5486400" cy="4114800"/>
+          </a:xfrm>
+          <a:prstGeom prst="rect">
+            <a:avLst/>
+          </a:prstGeom>
+        </p:spPr>
+        <p:txBody>
+          <a:bodyPr vert="horz" lIns="91440" tIns="45720" rIns="91440" bIns="45720" rtlCol="0">
+            <a:normAutofit/>
+          </a:bodyPr>
+          <a:lstStyle/>
+          <a:p>
+            <a:pPr lvl="0"/>
+            <a:r>
+              <a:rPr lang="el-GR" smtClean="0"/>
+              <a:t>Kλικ για επεξεργασία των στυλ του υποδείγματος</a:t>
+            </a:r>
+          </a:p>
+          <a:p>
+            <a:pPr lvl="1"/>
+            <a:r>
+              <a:rPr lang="el-GR" smtClean="0"/>
+              <a:t>Δεύτερου επιπέδου</a:t>
+            </a:r>
+          </a:p>
+          <a:p>
+            <a:pPr lvl="2"/>
+            <a:r>
+              <a:rPr lang="el-GR" smtClean="0"/>
+              <a:t>Τρίτου επιπέδου</a:t>
+            </a:r>
+          </a:p>
+          <a:p>
+            <a:pPr lvl="3"/>
+            <a:r>
+              <a:rPr lang="el-GR" smtClean="0"/>
+              <a:t>Τέταρτου επιπέδου</a:t>
+            </a:r>
+          </a:p>
+          <a:p>
+            <a:pPr lvl="4"/>
+            <a:r>
+              <a:rPr lang="el-GR" smtClean="0"/>
+              <a:t>Πέμπτου επιπέδου</a:t>
+            </a:r>
+            <a:endParaRPr lang="el-GR"/>
+          </a:p>
+        </p:txBody>
+      </p:sp>
+      <p:sp>
+        <p:nvSpPr>
+          <p:cNvPr id="6" name="5 - Θέση υποσέλιδου"/>
+          <p:cNvSpPr>
+            <a:spLocks noGrp="1"/>
+          </p:cNvSpPr>
+          <p:nvPr>
+            <p:ph type="ftr" sz="quarter" idx="4"/>
+          </p:nvPr>
+        </p:nvSpPr>
+        <p:spPr>
+          <a:xfrm>
+            <a:off x="0" y="8685213"/>
+            <a:ext cx="2971800" cy="457200"/>
+          </a:xfrm>
+          <a:prstGeom prst="rect">
+            <a:avLst/>
+          </a:prstGeom>
+        </p:spPr>
+        <p:txBody>
+          <a:bodyPr vert="horz" lIns="91440" tIns="45720" rIns="91440" bIns="45720" rtlCol="0" anchor="b"/>
+          <a:lstStyle>
+            <a:lvl1pPr algn="l">
+              <a:defRPr sz="1200"/>
+            </a:lvl1pPr>
+          </a:lstStyle>
+          <a:p>
+            <a:endParaRPr lang="el-GR"/>
+          </a:p>
+        </p:txBody>
+      </p:sp>
+      <p:sp>
+        <p:nvSpPr>
+          <p:cNvPr id="7" name="6 - Θέση αριθμού διαφάνειας"/>
+          <p:cNvSpPr>
+            <a:spLocks noGrp="1"/>
+          </p:cNvSpPr>
+          <p:nvPr>
+            <p:ph type="sldNum" sz="quarter" idx="5"/>
+          </p:nvPr>
+        </p:nvSpPr>
+        <p:spPr>
+          <a:xfrm>
+            <a:off x="3884613" y="8685213"/>
+            <a:ext cx="2971800" cy="457200"/>
+          </a:xfrm>
+          <a:prstGeom prst="rect">
+            <a:avLst/>
+          </a:prstGeom>
+        </p:spPr>
+        <p:txBody>
+          <a:bodyPr vert="horz" lIns="91440" tIns="45720" rIns="91440" bIns="45720" rtlCol="0" anchor="b"/>
+          <a:lstStyle>
+            <a:lvl1pPr algn="r">
+              <a:defRPr sz="1200"/>
+            </a:lvl1pPr>
+          </a:lstStyle>
+          <a:p>
+            <a:fld id="{CAD29C99-CDA9-4488-A77A-73B646AB78B4}" type="slidenum">
+              <a:rPr lang="el-GR" smtClean="0"/>
+              <a:t>‹#›</a:t>
+            </a:fld>
+            <a:endParaRPr lang="el-GR"/>
+          </a:p>
+        </p:txBody>
+      </p:sp>
+    </p:spTree>
+  </p:cSld>
+  <p:clrMap bg1="lt1" tx1="dk1" bg2="lt2" tx2="dk2" accent1="accent1" accent2="accent2" accent3="accent3" accent4="accent4" accent5="accent5" accent6="accent6" hlink="hlink" folHlink="folHlink"/>
+  <p:notesStyle>
+    <a:lvl1pPr marL="0" algn="l" defTabSz="914400" rtl="0" eaLnBrk="1" latinLnBrk="0" hangingPunct="1">
+      <a:defRPr sz="1200" kern="1200">
+        <a:solidFill>
+          <a:schemeClr val="tx1"/>
+        </a:solidFill>
+        <a:latin typeface="+mn-lt"/>
+        <a:ea typeface="+mn-ea"/>
+        <a:cs typeface="+mn-cs"/>
+      </a:defRPr>
+    </a:lvl1pPr>
+    <a:lvl2pPr marL="457200" algn="l" defTabSz="914400" rtl="0" eaLnBrk="1" latinLnBrk="0" hangingPunct="1">
+      <a:defRPr sz="1200" kern="1200">
+        <a:solidFill>
+          <a:schemeClr val="tx1"/>
+        </a:solidFill>
+        <a:latin typeface="+mn-lt"/>
+        <a:ea typeface="+mn-ea"/>
+        <a:cs typeface="+mn-cs"/>
+      </a:defRPr>
+    </a:lvl2pPr>
+    <a:lvl3pPr marL="914400" algn="l" defTabSz="914400" rtl="0" eaLnBrk="1" latinLnBrk="0" hangingPunct="1">
+      <a:defRPr sz="1200" kern="1200">
+        <a:solidFill>
+          <a:schemeClr val="tx1"/>
+        </a:solidFill>
+        <a:latin typeface="+mn-lt"/>
+        <a:ea typeface="+mn-ea"/>
+        <a:cs typeface="+mn-cs"/>
+      </a:defRPr>
+    </a:lvl3pPr>
+    <a:lvl4pPr marL="1371600" algn="l" defTabSz="914400" rtl="0" eaLnBrk="1" latinLnBrk="0" hangingPunct="1">
+      <a:defRPr sz="1200" kern="1200">
+        <a:solidFill>
+          <a:schemeClr val="tx1"/>
+        </a:solidFill>
+        <a:latin typeface="+mn-lt"/>
+        <a:ea typeface="+mn-ea"/>
+        <a:cs typeface="+mn-cs"/>
+      </a:defRPr>
+    </a:lvl4pPr>
+    <a:lvl5pPr marL="1828800" algn="l" defTabSz="914400" rtl="0" eaLnBrk="1" latinLnBrk="0" hangingPunct="1">
+      <a:defRPr sz="1200" kern="1200">
+        <a:solidFill>
+          <a:schemeClr val="tx1"/>
+        </a:solidFill>
+        <a:latin typeface="+mn-lt"/>
+        <a:ea typeface="+mn-ea"/>
+        <a:cs typeface="+mn-cs"/>
+      </a:defRPr>
+    </a:lvl5pPr>
+    <a:lvl6pPr marL="2286000" algn="l" defTabSz="914400" rtl="0" eaLnBrk="1" latinLnBrk="0" hangingPunct="1">
+      <a:defRPr sz="1200" kern="1200">
+        <a:solidFill>
+          <a:schemeClr val="tx1"/>
+        </a:solidFill>
+        <a:latin typeface="+mn-lt"/>
+        <a:ea typeface="+mn-ea"/>
+        <a:cs typeface="+mn-cs"/>
+      </a:defRPr>
+    </a:lvl6pPr>
+    <a:lvl7pPr marL="2743200" algn="l" defTabSz="914400" rtl="0" eaLnBrk="1" latinLnBrk="0" hangingPunct="1">
+      <a:defRPr sz="1200" kern="1200">
+        <a:solidFill>
+          <a:schemeClr val="tx1"/>
+        </a:solidFill>
+        <a:latin typeface="+mn-lt"/>
+        <a:ea typeface="+mn-ea"/>
+        <a:cs typeface="+mn-cs"/>
+      </a:defRPr>
+    </a:lvl7pPr>
+    <a:lvl8pPr marL="3200400" algn="l" defTabSz="914400" rtl="0" eaLnBrk="1" latinLnBrk="0" hangingPunct="1">
+      <a:defRPr sz="1200" kern="1200">
+        <a:solidFill>
+          <a:schemeClr val="tx1"/>
+        </a:solidFill>
+        <a:latin typeface="+mn-lt"/>
+        <a:ea typeface="+mn-ea"/>
+        <a:cs typeface="+mn-cs"/>
+      </a:defRPr>
+    </a:lvl8pPr>
+    <a:lvl9pPr marL="3657600" algn="l" defTabSz="914400" rtl="0" eaLnBrk="1" latinLnBrk="0" hangingPunct="1">
+      <a:defRPr sz="1200" kern="1200">
+        <a:solidFill>
+          <a:schemeClr val="tx1"/>
+        </a:solidFill>
+        <a:latin typeface="+mn-lt"/>
+        <a:ea typeface="+mn-ea"/>
+        <a:cs typeface="+mn-cs"/>
+      </a:defRPr>
+    </a:lvl9pPr>
+  </p:notesStyle>
+</p:notesMaster>
+</file>
+
+<file path=ppt/notesSlides/notesSlide1.xml><?xml version="1.0" encoding="utf-8"?>
+<p:notes xmlns:a="http://schemas.openxmlformats.org/drawingml/2006/main" xmlns:r="http://schemas.openxmlformats.org/officeDocument/2006/relationships" xmlns:p="http://schemas.openxmlformats.org/presentationml/2006/main">
+  <p:cSld>
+    <p:spTree>
+      <p:nvGrpSpPr>
+        <p:cNvPr id="1" name=""/>
+        <p:cNvGrpSpPr/>
+        <p:nvPr/>
+      </p:nvGrpSpPr>
+      <p:grpSpPr>
+        <a:xfrm>
+          <a:off x="0" y="0"/>
+          <a:ext cx="0" cy="0"/>
+          <a:chOff x="0" y="0"/>
+          <a:chExt cx="0" cy="0"/>
+        </a:xfrm>
+      </p:grpSpPr>
+      <p:sp>
+        <p:nvSpPr>
+          <p:cNvPr id="2" name="1 - Θέση εικόνας διαφάνειας"/>
+          <p:cNvSpPr>
+            <a:spLocks noGrp="1" noRot="1" noChangeAspect="1"/>
+          </p:cNvSpPr>
+          <p:nvPr>
+            <p:ph type="sldImg"/>
+          </p:nvPr>
+        </p:nvSpPr>
+        <p:spPr/>
+      </p:sp>
+      <p:sp>
+        <p:nvSpPr>
+          <p:cNvPr id="3" name="2 - Θέση σημειώσεων"/>
+          <p:cNvSpPr>
+            <a:spLocks noGrp="1"/>
+          </p:cNvSpPr>
+          <p:nvPr>
+            <p:ph type="body" idx="1"/>
+          </p:nvPr>
+        </p:nvSpPr>
+        <p:spPr/>
+        <p:txBody>
+          <a:bodyPr>
+            <a:normAutofit/>
+          </a:bodyPr>
+          <a:lstStyle/>
+          <a:p>
+            <a:endParaRPr lang="el-GR" dirty="0"/>
+          </a:p>
+        </p:txBody>
+      </p:sp>
+      <p:sp>
+        <p:nvSpPr>
+          <p:cNvPr id="4" name="3 - Θέση αριθμού διαφάνειας"/>
+          <p:cNvSpPr>
+            <a:spLocks noGrp="1"/>
+          </p:cNvSpPr>
+          <p:nvPr>
+            <p:ph type="sldNum" sz="quarter" idx="10"/>
+          </p:nvPr>
+        </p:nvSpPr>
+        <p:spPr/>
+        <p:txBody>
+          <a:bodyPr/>
+          <a:lstStyle/>
+          <a:p>
+            <a:fld id="{CAD29C99-CDA9-4488-A77A-73B646AB78B4}" type="slidenum">
+              <a:rPr lang="el-GR" smtClean="0"/>
+              <a:t>4</a:t>
+            </a:fld>
+            <a:endParaRPr lang="el-GR"/>
+          </a:p>
+        </p:txBody>
+      </p:sp>
+    </p:spTree>
+  </p:cSld>
+  <p:clrMapOvr>
+    <a:masterClrMapping/>
+  </p:clrMapOvr>
+</p:notes>
+</file>
+
 <file path=ppt/slideLayouts/slideLayout1.xml><?xml version="1.0" encoding="utf-8"?>
 <p:sldLayout xmlns:a="http://schemas.openxmlformats.org/drawingml/2006/main" xmlns:r="http://schemas.openxmlformats.org/officeDocument/2006/relationships" xmlns:p="http://schemas.openxmlformats.org/presentationml/2006/main" showMasterSp="0" type="title" preserve="1">
   <p:cSld name="Διαφάνεια τίτλου">
@@ -247,7 +680,7 @@
             <a:fld id="{5DB993E1-127C-4148-8162-6340ADA0F084}" type="datetimeFigureOut">
               <a:rPr lang="el-GR" smtClean="0"/>
               <a:pPr/>
-              <a:t>17/3/2023</a:t>
+              <a:t>26/3/2023</a:t>
             </a:fld>
             <a:endParaRPr lang="el-GR"/>
           </a:p>
@@ -1118,7 +1551,7 @@
             <a:fld id="{5DB993E1-127C-4148-8162-6340ADA0F084}" type="datetimeFigureOut">
               <a:rPr lang="el-GR" smtClean="0"/>
               <a:pPr/>
-              <a:t>17/3/2023</a:t>
+              <a:t>26/3/2023</a:t>
             </a:fld>
             <a:endParaRPr lang="el-GR"/>
           </a:p>
@@ -1295,7 +1728,7 @@
             <a:fld id="{5DB993E1-127C-4148-8162-6340ADA0F084}" type="datetimeFigureOut">
               <a:rPr lang="el-GR" smtClean="0"/>
               <a:pPr/>
-              <a:t>17/3/2023</a:t>
+              <a:t>26/3/2023</a:t>
             </a:fld>
             <a:endParaRPr lang="el-GR"/>
           </a:p>
@@ -1467,7 +1900,7 @@
             <a:fld id="{5DB993E1-127C-4148-8162-6340ADA0F084}" type="datetimeFigureOut">
               <a:rPr lang="el-GR" smtClean="0"/>
               <a:pPr/>
-              <a:t>17/3/2023</a:t>
+              <a:t>26/3/2023</a:t>
             </a:fld>
             <a:endParaRPr lang="el-GR"/>
           </a:p>
@@ -1679,7 +2112,7 @@
             <a:fld id="{5DB993E1-127C-4148-8162-6340ADA0F084}" type="datetimeFigureOut">
               <a:rPr lang="el-GR" smtClean="0"/>
               <a:pPr/>
-              <a:t>17/3/2023</a:t>
+              <a:t>26/3/2023</a:t>
             </a:fld>
             <a:endParaRPr lang="el-GR"/>
           </a:p>
@@ -2495,7 +2928,7 @@
             <a:fld id="{5DB993E1-127C-4148-8162-6340ADA0F084}" type="datetimeFigureOut">
               <a:rPr lang="el-GR" smtClean="0"/>
               <a:pPr/>
-              <a:t>17/3/2023</a:t>
+              <a:t>26/3/2023</a:t>
             </a:fld>
             <a:endParaRPr lang="el-GR"/>
           </a:p>
@@ -2733,7 +3166,7 @@
             <a:fld id="{5DB993E1-127C-4148-8162-6340ADA0F084}" type="datetimeFigureOut">
               <a:rPr lang="el-GR" smtClean="0"/>
               <a:pPr/>
-              <a:t>17/3/2023</a:t>
+              <a:t>26/3/2023</a:t>
             </a:fld>
             <a:endParaRPr lang="el-GR"/>
           </a:p>
@@ -3058,7 +3491,7 @@
             <a:fld id="{5DB993E1-127C-4148-8162-6340ADA0F084}" type="datetimeFigureOut">
               <a:rPr lang="el-GR" smtClean="0"/>
               <a:pPr/>
-              <a:t>17/3/2023</a:t>
+              <a:t>26/3/2023</a:t>
             </a:fld>
             <a:endParaRPr lang="el-GR"/>
           </a:p>
@@ -3150,7 +3583,7 @@
             <a:fld id="{5DB993E1-127C-4148-8162-6340ADA0F084}" type="datetimeFigureOut">
               <a:rPr lang="el-GR" smtClean="0"/>
               <a:pPr/>
-              <a:t>17/3/2023</a:t>
+              <a:t>26/3/2023</a:t>
             </a:fld>
             <a:endParaRPr lang="el-GR"/>
           </a:p>
@@ -3669,7 +4102,7 @@
             <a:fld id="{5DB993E1-127C-4148-8162-6340ADA0F084}" type="datetimeFigureOut">
               <a:rPr lang="el-GR" smtClean="0"/>
               <a:pPr/>
-              <a:t>17/3/2023</a:t>
+              <a:t>26/3/2023</a:t>
             </a:fld>
             <a:endParaRPr lang="el-GR"/>
           </a:p>
@@ -4182,7 +4615,7 @@
             <a:fld id="{5DB993E1-127C-4148-8162-6340ADA0F084}" type="datetimeFigureOut">
               <a:rPr lang="el-GR" smtClean="0"/>
               <a:pPr/>
-              <a:t>17/3/2023</a:t>
+              <a:t>26/3/2023</a:t>
             </a:fld>
             <a:endParaRPr lang="el-GR"/>
           </a:p>
@@ -4429,7 +4862,7 @@
             <a:fld id="{5DB993E1-127C-4148-8162-6340ADA0F084}" type="datetimeFigureOut">
               <a:rPr lang="el-GR" smtClean="0"/>
               <a:pPr/>
-              <a:t>17/3/2023</a:t>
+              <a:t>26/3/2023</a:t>
             </a:fld>
             <a:endParaRPr lang="el-GR"/>
           </a:p>
@@ -5155,7 +5588,7 @@
           <a:p>
             <a:r>
               <a:rPr lang="en-US" dirty="0" smtClean="0"/>
-              <a:t>Rules</a:t>
+              <a:t>Introduction</a:t>
             </a:r>
             <a:endParaRPr lang="el-GR" dirty="0"/>
           </a:p>
@@ -5174,52 +5607,110 @@
         <p:spPr/>
         <p:txBody>
           <a:bodyPr>
-            <a:normAutofit/>
+            <a:normAutofit fontScale="92500" lnSpcReduction="10000"/>
           </a:bodyPr>
           <a:lstStyle/>
           <a:p>
             <a:r>
+              <a:rPr lang="en-US" dirty="0" smtClean="0"/>
+              <a:t>Obligatory Statement</a:t>
+            </a:r>
+            <a:r>
               <a:rPr lang="el-GR" dirty="0" smtClean="0"/>
-              <a:t>Το βασικό παραδοτέο είναι ένα κείμενο </a:t>
-            </a:r>
+              <a:t>:</a:t>
+            </a:r>
+            <a:endParaRPr lang="el-GR" dirty="0" smtClean="0"/>
+          </a:p>
+          <a:p>
+            <a:pPr lvl="1">
+              <a:buNone/>
+            </a:pPr>
             <a:r>
               <a:rPr lang="el-GR" b="1" dirty="0" smtClean="0"/>
-              <a:t>το πολύ 5 σελίδων</a:t>
+              <a:t>Εγώ ο Βασίλειος Δημητρίου  βεβαιώνω ότι η παρούσα εργασία βασίζεται σε δεδομένα για τα οποία έχω άδεια μεταβίβασης και επεξεργασίας. Βεβαιώνω επίσης ότι τα δεδομένα αυτά τηρούν όλους τους ισχύοντες νόμους και διατάξεις περί προστασίας πνευματικής ιδιοκτησίας και προσωπικών δεδομένων</a:t>
+            </a:r>
+            <a:r>
+              <a:rPr lang="el-GR" b="1" dirty="0" smtClean="0"/>
+              <a:t>.</a:t>
+            </a:r>
+            <a:endParaRPr lang="en-US" b="1" dirty="0" smtClean="0"/>
+          </a:p>
+          <a:p>
+            <a:r>
+              <a:rPr lang="en-US" dirty="0" err="1" smtClean="0"/>
+              <a:t>DataSet</a:t>
             </a:r>
             <a:r>
               <a:rPr lang="el-GR" dirty="0" smtClean="0"/>
-              <a:t> ή μια παρουσίαση </a:t>
-            </a:r>
-            <a:r>
-              <a:rPr lang="el-GR" b="1" dirty="0" smtClean="0"/>
-              <a:t>το πολύ 5 διαφανειών</a:t>
+              <a:t>:</a:t>
+            </a:r>
+            <a:endParaRPr lang="el-GR" dirty="0" smtClean="0"/>
+          </a:p>
+          <a:p>
+            <a:pPr lvl="1">
+              <a:buNone/>
+            </a:pPr>
+            <a:r>
+              <a:rPr lang="en-US" dirty="0" smtClean="0">
+                <a:hlinkClick r:id="rId2"/>
+              </a:rPr>
+              <a:t>Index of /ml/machine-learning-databases/breast-cancer-</a:t>
+            </a:r>
+            <a:r>
+              <a:rPr lang="en-US" dirty="0" err="1" smtClean="0">
+                <a:hlinkClick r:id="rId2"/>
+              </a:rPr>
+              <a:t>wisconsin</a:t>
+            </a:r>
+            <a:r>
+              <a:rPr lang="en-US" dirty="0" smtClean="0">
+                <a:hlinkClick r:id="rId2"/>
+              </a:rPr>
+              <a:t> (uci.edu)</a:t>
+            </a:r>
+            <a:r>
+              <a:rPr lang="en-US" dirty="0" smtClean="0"/>
+              <a:t>  [</a:t>
+            </a:r>
+            <a:r>
+              <a:rPr lang="en-US" dirty="0" err="1" smtClean="0"/>
+              <a:t>Wolberg</a:t>
+            </a:r>
+            <a:r>
+              <a:rPr lang="en-US" dirty="0" smtClean="0"/>
+              <a:t>, W. , Street N. and </a:t>
+            </a:r>
+            <a:r>
+              <a:rPr lang="en-US" dirty="0" err="1" smtClean="0"/>
+              <a:t>Mangasarian</a:t>
+            </a:r>
+            <a:r>
+              <a:rPr lang="en-US" dirty="0" smtClean="0"/>
+              <a:t> O.. UCI Machine Learning Repository [http://archive.ics.uci.edu/mldatasets/Breast+Cancer+Wisconsin+%28Diagnostic%29]. Irvine, CA: University of California, School of Information and Computer Science.]</a:t>
             </a:r>
             <a:r>
               <a:rPr lang="el-GR" dirty="0" smtClean="0"/>
-              <a:t> που </a:t>
-            </a:r>
-            <a:r>
-              <a:rPr lang="el-GR" b="1" dirty="0" smtClean="0"/>
-              <a:t>δεν θα υπερβαίνουν τις 1500 λέξεις</a:t>
+              <a:t> (</a:t>
+            </a:r>
+            <a:r>
+              <a:rPr lang="en-US" dirty="0" smtClean="0">
+                <a:hlinkClick r:id="rId3"/>
+              </a:rPr>
+              <a:t>UCI Machine Learning Repository: Breast Cancer Wisconsin (Diagnostic) Data Set</a:t>
             </a:r>
             <a:r>
               <a:rPr lang="el-GR" dirty="0" smtClean="0"/>
-              <a:t>. </a:t>
-            </a:r>
-            <a:endParaRPr lang="en-US" dirty="0" smtClean="0"/>
-          </a:p>
-          <a:p>
-            <a:r>
-              <a:rPr lang="el-GR" dirty="0" smtClean="0"/>
-              <a:t>Πρέπει να ξεκινάει υποχρεωτικά με την ακόλουθη παράγραφο:</a:t>
+              <a:t>)</a:t>
             </a:r>
           </a:p>
           <a:p>
             <a:pPr lvl="1"/>
-            <a:r>
-              <a:rPr lang="el-GR" b="1" dirty="0" smtClean="0"/>
-              <a:t>Εγώ ο Βασίλειος Δημητρίου  βεβαιώνω ότι η παρούσα εργασία βασίζεται σε δεδομένα για τα οποία έχω άδεια μεταβίβασης και επεξεργασίας. Βεβαιώνω επίσης ότι τα δεδομένα αυτά τηρούν όλους τους ισχύοντες νόμους και διατάξεις περί προστασίας πνευματικής ιδιοκτησίας και προσωπικών δεδομένων.</a:t>
-            </a:r>
+            <a:endParaRPr lang="en-US" b="1" dirty="0" smtClean="0"/>
+          </a:p>
+          <a:p>
+            <a:pPr lvl="1">
+              <a:buNone/>
+            </a:pPr>
             <a:endParaRPr lang="el-GR" dirty="0" smtClean="0"/>
           </a:p>
           <a:p>
@@ -5269,109 +5760,1294 @@
           <a:p>
             <a:r>
               <a:rPr lang="en-US" dirty="0" smtClean="0"/>
-              <a:t>Data Set </a:t>
+              <a:t>Data – Breast Cancer Tumor Examination</a:t>
             </a:r>
             <a:endParaRPr lang="el-GR" dirty="0"/>
           </a:p>
         </p:txBody>
       </p:sp>
-      <p:sp>
-        <p:nvSpPr>
-          <p:cNvPr id="3" name="2 - Θέση περιεχομένου"/>
+      <p:graphicFrame>
+        <p:nvGraphicFramePr>
+          <p:cNvPr id="5" name="4 - Θέση περιεχομένου"/>
+          <p:cNvGraphicFramePr>
+            <a:graphicFrameLocks noGrp="1"/>
+          </p:cNvGraphicFramePr>
+          <p:nvPr>
+            <p:ph sz="quarter" idx="1"/>
+          </p:nvPr>
+        </p:nvGraphicFramePr>
+        <p:xfrm>
+          <a:off x="457200" y="1600200"/>
+          <a:ext cx="7467600" cy="4453509"/>
+        </p:xfrm>
+        <a:graphic>
+          <a:graphicData uri="http://schemas.openxmlformats.org/drawingml/2006/table">
+            <a:tbl>
+              <a:tblPr firstRow="1" bandRow="1">
+                <a:tableStyleId>{5C22544A-7EE6-4342-B048-85BDC9FD1C3A}</a:tableStyleId>
+              </a:tblPr>
+              <a:tblGrid>
+                <a:gridCol w="3733800"/>
+                <a:gridCol w="3733800"/>
+              </a:tblGrid>
+              <a:tr h="370840">
+                <a:tc>
+                  <a:txBody>
+                    <a:bodyPr/>
+                    <a:lstStyle/>
+                    <a:p>
+                      <a:pPr algn="ctr">
+                        <a:lnSpc>
+                          <a:spcPct val="115000"/>
+                        </a:lnSpc>
+                        <a:spcAft>
+                          <a:spcPts val="0"/>
+                        </a:spcAft>
+                      </a:pPr>
+                      <a:r>
+                        <a:rPr lang="en-US" sz="1100" b="1" u="sng" dirty="0" smtClean="0">
+                          <a:solidFill>
+                            <a:srgbClr val="000000"/>
+                          </a:solidFill>
+                          <a:latin typeface="Calibri"/>
+                          <a:ea typeface="Times New Roman"/>
+                          <a:cs typeface="Calibri"/>
+                        </a:rPr>
+                        <a:t>Variable name</a:t>
+                      </a:r>
+                      <a:endParaRPr lang="el-GR" sz="1100" dirty="0">
+                        <a:latin typeface="Calibri"/>
+                        <a:ea typeface="Calibri"/>
+                        <a:cs typeface="Times New Roman"/>
+                      </a:endParaRPr>
+                    </a:p>
+                  </a:txBody>
+                  <a:tcPr marL="68580" marR="68580" marT="0" marB="0" anchor="b"/>
+                </a:tc>
+                <a:tc>
+                  <a:txBody>
+                    <a:bodyPr/>
+                    <a:lstStyle/>
+                    <a:p>
+                      <a:pPr algn="ctr">
+                        <a:lnSpc>
+                          <a:spcPct val="115000"/>
+                        </a:lnSpc>
+                        <a:spcAft>
+                          <a:spcPts val="0"/>
+                        </a:spcAft>
+                      </a:pPr>
+                      <a:r>
+                        <a:rPr lang="en-US" sz="1100" b="1" u="sng" dirty="0" smtClean="0">
+                          <a:solidFill>
+                            <a:srgbClr val="000000"/>
+                          </a:solidFill>
+                          <a:latin typeface="Calibri"/>
+                          <a:ea typeface="Times New Roman"/>
+                          <a:cs typeface="Calibri"/>
+                        </a:rPr>
+                        <a:t>Description</a:t>
+                      </a:r>
+                      <a:endParaRPr lang="el-GR" sz="1100" dirty="0">
+                        <a:latin typeface="Calibri"/>
+                        <a:ea typeface="Calibri"/>
+                        <a:cs typeface="Times New Roman"/>
+                      </a:endParaRPr>
+                    </a:p>
+                  </a:txBody>
+                  <a:tcPr marL="68580" marR="68580" marT="0" marB="0" anchor="b"/>
+                </a:tc>
+              </a:tr>
+              <a:tr h="370840">
+                <a:tc>
+                  <a:txBody>
+                    <a:bodyPr/>
+                    <a:lstStyle/>
+                    <a:p>
+                      <a:pPr algn="ctr">
+                        <a:lnSpc>
+                          <a:spcPct val="115000"/>
+                        </a:lnSpc>
+                        <a:spcAft>
+                          <a:spcPts val="0"/>
+                        </a:spcAft>
+                      </a:pPr>
+                      <a:r>
+                        <a:rPr lang="el-GR" sz="1100">
+                          <a:solidFill>
+                            <a:srgbClr val="000000"/>
+                          </a:solidFill>
+                          <a:latin typeface="Calibri"/>
+                          <a:ea typeface="Times New Roman"/>
+                          <a:cs typeface="Calibri"/>
+                        </a:rPr>
+                        <a:t>Sampldate code number</a:t>
+                      </a:r>
+                      <a:endParaRPr lang="el-GR" sz="1100">
+                        <a:latin typeface="Calibri"/>
+                        <a:ea typeface="Calibri"/>
+                        <a:cs typeface="Times New Roman"/>
+                      </a:endParaRPr>
+                    </a:p>
+                  </a:txBody>
+                  <a:tcPr marL="68580" marR="68580" marT="0" marB="0" anchor="ctr"/>
+                </a:tc>
+                <a:tc>
+                  <a:txBody>
+                    <a:bodyPr/>
+                    <a:lstStyle/>
+                    <a:p>
+                      <a:pPr algn="ctr">
+                        <a:lnSpc>
+                          <a:spcPct val="115000"/>
+                        </a:lnSpc>
+                        <a:spcAft>
+                          <a:spcPts val="0"/>
+                        </a:spcAft>
+                      </a:pPr>
+                      <a:r>
+                        <a:rPr lang="en-US" sz="1100" dirty="0" smtClean="0">
+                          <a:solidFill>
+                            <a:srgbClr val="000000"/>
+                          </a:solidFill>
+                          <a:latin typeface="Calibri"/>
+                          <a:ea typeface="Times New Roman"/>
+                          <a:cs typeface="Calibri"/>
+                        </a:rPr>
+                        <a:t>Sample codified unique number</a:t>
+                      </a:r>
+                      <a:endParaRPr lang="el-GR" sz="1100" dirty="0">
+                        <a:latin typeface="Calibri"/>
+                        <a:ea typeface="Calibri"/>
+                        <a:cs typeface="Times New Roman"/>
+                      </a:endParaRPr>
+                    </a:p>
+                  </a:txBody>
+                  <a:tcPr marL="68580" marR="68580" marT="0" marB="0" anchor="ctr"/>
+                </a:tc>
+              </a:tr>
+              <a:tr h="370840">
+                <a:tc>
+                  <a:txBody>
+                    <a:bodyPr/>
+                    <a:lstStyle/>
+                    <a:p>
+                      <a:pPr algn="ctr">
+                        <a:lnSpc>
+                          <a:spcPct val="115000"/>
+                        </a:lnSpc>
+                        <a:spcAft>
+                          <a:spcPts val="0"/>
+                        </a:spcAft>
+                      </a:pPr>
+                      <a:r>
+                        <a:rPr lang="el-GR" sz="1100">
+                          <a:solidFill>
+                            <a:srgbClr val="000000"/>
+                          </a:solidFill>
+                          <a:latin typeface="Calibri"/>
+                          <a:ea typeface="Times New Roman"/>
+                          <a:cs typeface="Calibri"/>
+                        </a:rPr>
+                        <a:t>Clump Thickness</a:t>
+                      </a:r>
+                      <a:endParaRPr lang="el-GR" sz="1100">
+                        <a:latin typeface="Calibri"/>
+                        <a:ea typeface="Calibri"/>
+                        <a:cs typeface="Times New Roman"/>
+                      </a:endParaRPr>
+                    </a:p>
+                  </a:txBody>
+                  <a:tcPr marL="68580" marR="68580" marT="0" marB="0" anchor="ctr"/>
+                </a:tc>
+                <a:tc rowSpan="9">
+                  <a:txBody>
+                    <a:bodyPr/>
+                    <a:lstStyle/>
+                    <a:p>
+                      <a:pPr algn="ctr">
+                        <a:lnSpc>
+                          <a:spcPct val="115000"/>
+                        </a:lnSpc>
+                        <a:spcAft>
+                          <a:spcPts val="0"/>
+                        </a:spcAft>
+                      </a:pPr>
+                      <a:r>
+                        <a:rPr lang="en-US" sz="1100" dirty="0" smtClean="0">
+                          <a:solidFill>
+                            <a:srgbClr val="000000"/>
+                          </a:solidFill>
+                          <a:latin typeface="Calibri"/>
+                          <a:ea typeface="Times New Roman"/>
+                          <a:cs typeface="Calibri"/>
+                        </a:rPr>
+                        <a:t>Input</a:t>
+                      </a:r>
+                      <a:r>
+                        <a:rPr lang="en-US" sz="1100" baseline="0" dirty="0" smtClean="0">
+                          <a:solidFill>
+                            <a:srgbClr val="000000"/>
+                          </a:solidFill>
+                          <a:latin typeface="Calibri"/>
+                          <a:ea typeface="Times New Roman"/>
+                          <a:cs typeface="Calibri"/>
+                        </a:rPr>
+                        <a:t> variables for each sample - patient</a:t>
+                      </a:r>
+                      <a:endParaRPr lang="en-US" sz="1100" dirty="0" smtClean="0">
+                        <a:solidFill>
+                          <a:srgbClr val="000000"/>
+                        </a:solidFill>
+                        <a:latin typeface="Calibri"/>
+                        <a:ea typeface="Times New Roman"/>
+                        <a:cs typeface="Calibri"/>
+                      </a:endParaRPr>
+                    </a:p>
+                  </a:txBody>
+                  <a:tcPr marL="68580" marR="68580" marT="0" marB="0" anchor="ctr"/>
+                </a:tc>
+              </a:tr>
+              <a:tr h="370840">
+                <a:tc>
+                  <a:txBody>
+                    <a:bodyPr/>
+                    <a:lstStyle/>
+                    <a:p>
+                      <a:pPr algn="ctr">
+                        <a:lnSpc>
+                          <a:spcPct val="115000"/>
+                        </a:lnSpc>
+                        <a:spcAft>
+                          <a:spcPts val="0"/>
+                        </a:spcAft>
+                      </a:pPr>
+                      <a:r>
+                        <a:rPr lang="el-GR" sz="1100">
+                          <a:solidFill>
+                            <a:srgbClr val="000000"/>
+                          </a:solidFill>
+                          <a:latin typeface="Calibri"/>
+                          <a:ea typeface="Times New Roman"/>
+                          <a:cs typeface="Calibri"/>
+                        </a:rPr>
+                        <a:t>Uniformity of Cell Size</a:t>
+                      </a:r>
+                      <a:endParaRPr lang="el-GR" sz="1100">
+                        <a:latin typeface="Calibri"/>
+                        <a:ea typeface="Calibri"/>
+                        <a:cs typeface="Times New Roman"/>
+                      </a:endParaRPr>
+                    </a:p>
+                  </a:txBody>
+                  <a:tcPr marL="68580" marR="68580" marT="0" marB="0" anchor="ctr"/>
+                </a:tc>
+                <a:tc vMerge="1">
+                  <a:txBody>
+                    <a:bodyPr/>
+                    <a:lstStyle/>
+                    <a:p>
+                      <a:endParaRPr lang="el-GR"/>
+                    </a:p>
+                  </a:txBody>
+                  <a:tcPr/>
+                </a:tc>
+              </a:tr>
+              <a:tr h="370840">
+                <a:tc>
+                  <a:txBody>
+                    <a:bodyPr/>
+                    <a:lstStyle/>
+                    <a:p>
+                      <a:pPr algn="ctr">
+                        <a:lnSpc>
+                          <a:spcPct val="115000"/>
+                        </a:lnSpc>
+                        <a:spcAft>
+                          <a:spcPts val="0"/>
+                        </a:spcAft>
+                      </a:pPr>
+                      <a:r>
+                        <a:rPr lang="el-GR" sz="1100">
+                          <a:solidFill>
+                            <a:srgbClr val="000000"/>
+                          </a:solidFill>
+                          <a:latin typeface="Calibri"/>
+                          <a:ea typeface="Times New Roman"/>
+                          <a:cs typeface="Calibri"/>
+                        </a:rPr>
+                        <a:t>Uniformity of Cell Shape</a:t>
+                      </a:r>
+                      <a:endParaRPr lang="el-GR" sz="1100">
+                        <a:latin typeface="Calibri"/>
+                        <a:ea typeface="Calibri"/>
+                        <a:cs typeface="Times New Roman"/>
+                      </a:endParaRPr>
+                    </a:p>
+                  </a:txBody>
+                  <a:tcPr marL="68580" marR="68580" marT="0" marB="0" anchor="ctr"/>
+                </a:tc>
+                <a:tc vMerge="1">
+                  <a:txBody>
+                    <a:bodyPr/>
+                    <a:lstStyle/>
+                    <a:p>
+                      <a:endParaRPr lang="el-GR"/>
+                    </a:p>
+                  </a:txBody>
+                  <a:tcPr/>
+                </a:tc>
+              </a:tr>
+              <a:tr h="370840">
+                <a:tc>
+                  <a:txBody>
+                    <a:bodyPr/>
+                    <a:lstStyle/>
+                    <a:p>
+                      <a:pPr algn="ctr">
+                        <a:lnSpc>
+                          <a:spcPct val="115000"/>
+                        </a:lnSpc>
+                        <a:spcAft>
+                          <a:spcPts val="0"/>
+                        </a:spcAft>
+                      </a:pPr>
+                      <a:r>
+                        <a:rPr lang="el-GR" sz="1100" dirty="0" err="1">
+                          <a:solidFill>
+                            <a:srgbClr val="000000"/>
+                          </a:solidFill>
+                          <a:latin typeface="Calibri"/>
+                          <a:ea typeface="Times New Roman"/>
+                          <a:cs typeface="Calibri"/>
+                        </a:rPr>
+                        <a:t>Marginal</a:t>
+                      </a:r>
+                      <a:r>
+                        <a:rPr lang="el-GR" sz="1100" dirty="0">
+                          <a:solidFill>
+                            <a:srgbClr val="000000"/>
+                          </a:solidFill>
+                          <a:latin typeface="Calibri"/>
+                          <a:ea typeface="Times New Roman"/>
+                          <a:cs typeface="Calibri"/>
+                        </a:rPr>
+                        <a:t> </a:t>
+                      </a:r>
+                      <a:r>
+                        <a:rPr lang="el-GR" sz="1100" dirty="0" err="1">
+                          <a:solidFill>
+                            <a:srgbClr val="000000"/>
+                          </a:solidFill>
+                          <a:latin typeface="Calibri"/>
+                          <a:ea typeface="Times New Roman"/>
+                          <a:cs typeface="Calibri"/>
+                        </a:rPr>
+                        <a:t>Adhesion</a:t>
+                      </a:r>
+                      <a:endParaRPr lang="el-GR" sz="1100" dirty="0">
+                        <a:latin typeface="Calibri"/>
+                        <a:ea typeface="Calibri"/>
+                        <a:cs typeface="Times New Roman"/>
+                      </a:endParaRPr>
+                    </a:p>
+                  </a:txBody>
+                  <a:tcPr marL="68580" marR="68580" marT="0" marB="0" anchor="ctr"/>
+                </a:tc>
+                <a:tc vMerge="1">
+                  <a:txBody>
+                    <a:bodyPr/>
+                    <a:lstStyle/>
+                    <a:p>
+                      <a:endParaRPr lang="el-GR"/>
+                    </a:p>
+                  </a:txBody>
+                  <a:tcPr/>
+                </a:tc>
+              </a:tr>
+              <a:tr h="370840">
+                <a:tc>
+                  <a:txBody>
+                    <a:bodyPr/>
+                    <a:lstStyle/>
+                    <a:p>
+                      <a:pPr algn="ctr">
+                        <a:lnSpc>
+                          <a:spcPct val="115000"/>
+                        </a:lnSpc>
+                        <a:spcAft>
+                          <a:spcPts val="0"/>
+                        </a:spcAft>
+                      </a:pPr>
+                      <a:r>
+                        <a:rPr lang="el-GR" sz="1100">
+                          <a:solidFill>
+                            <a:srgbClr val="000000"/>
+                          </a:solidFill>
+                          <a:latin typeface="Calibri"/>
+                          <a:ea typeface="Times New Roman"/>
+                          <a:cs typeface="Calibri"/>
+                        </a:rPr>
+                        <a:t>Single Epithelial Cell Size</a:t>
+                      </a:r>
+                      <a:endParaRPr lang="el-GR" sz="1100">
+                        <a:latin typeface="Calibri"/>
+                        <a:ea typeface="Calibri"/>
+                        <a:cs typeface="Times New Roman"/>
+                      </a:endParaRPr>
+                    </a:p>
+                  </a:txBody>
+                  <a:tcPr marL="68580" marR="68580" marT="0" marB="0" anchor="ctr"/>
+                </a:tc>
+                <a:tc vMerge="1">
+                  <a:txBody>
+                    <a:bodyPr/>
+                    <a:lstStyle/>
+                    <a:p>
+                      <a:endParaRPr lang="el-GR"/>
+                    </a:p>
+                  </a:txBody>
+                  <a:tcPr/>
+                </a:tc>
+              </a:tr>
+              <a:tr h="370840">
+                <a:tc>
+                  <a:txBody>
+                    <a:bodyPr/>
+                    <a:lstStyle/>
+                    <a:p>
+                      <a:pPr algn="ctr">
+                        <a:lnSpc>
+                          <a:spcPct val="115000"/>
+                        </a:lnSpc>
+                        <a:spcAft>
+                          <a:spcPts val="0"/>
+                        </a:spcAft>
+                      </a:pPr>
+                      <a:r>
+                        <a:rPr lang="el-GR" sz="1100">
+                          <a:solidFill>
+                            <a:srgbClr val="000000"/>
+                          </a:solidFill>
+                          <a:latin typeface="Calibri"/>
+                          <a:ea typeface="Times New Roman"/>
+                          <a:cs typeface="Calibri"/>
+                        </a:rPr>
+                        <a:t>Bare Nuclei</a:t>
+                      </a:r>
+                      <a:endParaRPr lang="el-GR" sz="1100">
+                        <a:latin typeface="Calibri"/>
+                        <a:ea typeface="Calibri"/>
+                        <a:cs typeface="Times New Roman"/>
+                      </a:endParaRPr>
+                    </a:p>
+                  </a:txBody>
+                  <a:tcPr marL="68580" marR="68580" marT="0" marB="0" anchor="ctr"/>
+                </a:tc>
+                <a:tc vMerge="1">
+                  <a:txBody>
+                    <a:bodyPr/>
+                    <a:lstStyle/>
+                    <a:p>
+                      <a:endParaRPr lang="el-GR"/>
+                    </a:p>
+                  </a:txBody>
+                  <a:tcPr/>
+                </a:tc>
+              </a:tr>
+              <a:tr h="370840">
+                <a:tc>
+                  <a:txBody>
+                    <a:bodyPr/>
+                    <a:lstStyle/>
+                    <a:p>
+                      <a:pPr algn="ctr">
+                        <a:lnSpc>
+                          <a:spcPct val="115000"/>
+                        </a:lnSpc>
+                        <a:spcAft>
+                          <a:spcPts val="0"/>
+                        </a:spcAft>
+                      </a:pPr>
+                      <a:r>
+                        <a:rPr lang="el-GR" sz="1100">
+                          <a:solidFill>
+                            <a:srgbClr val="000000"/>
+                          </a:solidFill>
+                          <a:latin typeface="Calibri"/>
+                          <a:ea typeface="Times New Roman"/>
+                          <a:cs typeface="Calibri"/>
+                        </a:rPr>
+                        <a:t>Bland Chromatin</a:t>
+                      </a:r>
+                      <a:endParaRPr lang="el-GR" sz="1100">
+                        <a:latin typeface="Calibri"/>
+                        <a:ea typeface="Calibri"/>
+                        <a:cs typeface="Times New Roman"/>
+                      </a:endParaRPr>
+                    </a:p>
+                  </a:txBody>
+                  <a:tcPr marL="68580" marR="68580" marT="0" marB="0" anchor="ctr"/>
+                </a:tc>
+                <a:tc vMerge="1">
+                  <a:txBody>
+                    <a:bodyPr/>
+                    <a:lstStyle/>
+                    <a:p>
+                      <a:endParaRPr lang="el-GR"/>
+                    </a:p>
+                  </a:txBody>
+                  <a:tcPr/>
+                </a:tc>
+              </a:tr>
+              <a:tr h="370840">
+                <a:tc>
+                  <a:txBody>
+                    <a:bodyPr/>
+                    <a:lstStyle/>
+                    <a:p>
+                      <a:pPr algn="ctr">
+                        <a:lnSpc>
+                          <a:spcPct val="115000"/>
+                        </a:lnSpc>
+                        <a:spcAft>
+                          <a:spcPts val="0"/>
+                        </a:spcAft>
+                      </a:pPr>
+                      <a:r>
+                        <a:rPr lang="el-GR" sz="1100">
+                          <a:solidFill>
+                            <a:srgbClr val="000000"/>
+                          </a:solidFill>
+                          <a:latin typeface="Calibri"/>
+                          <a:ea typeface="Times New Roman"/>
+                          <a:cs typeface="Calibri"/>
+                        </a:rPr>
+                        <a:t>Normal Nucleoli</a:t>
+                      </a:r>
+                      <a:endParaRPr lang="el-GR" sz="1100">
+                        <a:latin typeface="Calibri"/>
+                        <a:ea typeface="Calibri"/>
+                        <a:cs typeface="Times New Roman"/>
+                      </a:endParaRPr>
+                    </a:p>
+                  </a:txBody>
+                  <a:tcPr marL="68580" marR="68580" marT="0" marB="0" anchor="ctr"/>
+                </a:tc>
+                <a:tc vMerge="1">
+                  <a:txBody>
+                    <a:bodyPr/>
+                    <a:lstStyle/>
+                    <a:p>
+                      <a:endParaRPr lang="el-GR"/>
+                    </a:p>
+                  </a:txBody>
+                  <a:tcPr/>
+                </a:tc>
+              </a:tr>
+              <a:tr h="370840">
+                <a:tc>
+                  <a:txBody>
+                    <a:bodyPr/>
+                    <a:lstStyle/>
+                    <a:p>
+                      <a:pPr algn="ctr">
+                        <a:lnSpc>
+                          <a:spcPct val="115000"/>
+                        </a:lnSpc>
+                        <a:spcAft>
+                          <a:spcPts val="0"/>
+                        </a:spcAft>
+                      </a:pPr>
+                      <a:r>
+                        <a:rPr lang="el-GR" sz="1100">
+                          <a:solidFill>
+                            <a:srgbClr val="000000"/>
+                          </a:solidFill>
+                          <a:latin typeface="Calibri"/>
+                          <a:ea typeface="Times New Roman"/>
+                          <a:cs typeface="Calibri"/>
+                        </a:rPr>
+                        <a:t>Mitoses</a:t>
+                      </a:r>
+                      <a:endParaRPr lang="el-GR" sz="1100">
+                        <a:latin typeface="Calibri"/>
+                        <a:ea typeface="Calibri"/>
+                        <a:cs typeface="Times New Roman"/>
+                      </a:endParaRPr>
+                    </a:p>
+                  </a:txBody>
+                  <a:tcPr marL="68580" marR="68580" marT="0" marB="0" anchor="ctr"/>
+                </a:tc>
+                <a:tc vMerge="1">
+                  <a:txBody>
+                    <a:bodyPr/>
+                    <a:lstStyle/>
+                    <a:p>
+                      <a:endParaRPr lang="el-GR"/>
+                    </a:p>
+                  </a:txBody>
+                  <a:tcPr/>
+                </a:tc>
+              </a:tr>
+              <a:tr h="370840">
+                <a:tc>
+                  <a:txBody>
+                    <a:bodyPr/>
+                    <a:lstStyle/>
+                    <a:p>
+                      <a:pPr algn="ctr">
+                        <a:lnSpc>
+                          <a:spcPct val="115000"/>
+                        </a:lnSpc>
+                        <a:spcAft>
+                          <a:spcPts val="0"/>
+                        </a:spcAft>
+                      </a:pPr>
+                      <a:r>
+                        <a:rPr lang="el-GR" sz="1100">
+                          <a:solidFill>
+                            <a:srgbClr val="000000"/>
+                          </a:solidFill>
+                          <a:latin typeface="Calibri"/>
+                          <a:ea typeface="Times New Roman"/>
+                          <a:cs typeface="Calibri"/>
+                        </a:rPr>
+                        <a:t>Class</a:t>
+                      </a:r>
+                      <a:endParaRPr lang="el-GR" sz="1100">
+                        <a:latin typeface="Calibri"/>
+                        <a:ea typeface="Calibri"/>
+                        <a:cs typeface="Times New Roman"/>
+                      </a:endParaRPr>
+                    </a:p>
+                  </a:txBody>
+                  <a:tcPr marL="68580" marR="68580" marT="0" marB="0" anchor="ctr"/>
+                </a:tc>
+                <a:tc>
+                  <a:txBody>
+                    <a:bodyPr/>
+                    <a:lstStyle/>
+                    <a:p>
+                      <a:pPr algn="ctr">
+                        <a:lnSpc>
+                          <a:spcPct val="115000"/>
+                        </a:lnSpc>
+                        <a:spcAft>
+                          <a:spcPts val="0"/>
+                        </a:spcAft>
+                      </a:pPr>
+                      <a:r>
+                        <a:rPr lang="en-US" sz="1100" dirty="0" smtClean="0">
+                          <a:solidFill>
+                            <a:srgbClr val="000000"/>
+                          </a:solidFill>
+                          <a:latin typeface="Calibri"/>
+                          <a:ea typeface="Times New Roman"/>
+                          <a:cs typeface="Calibri"/>
+                        </a:rPr>
+                        <a:t>Output variable – assessment of</a:t>
+                      </a:r>
+                      <a:r>
+                        <a:rPr lang="en-US" sz="1100" baseline="0" dirty="0" smtClean="0">
+                          <a:solidFill>
+                            <a:srgbClr val="000000"/>
+                          </a:solidFill>
+                          <a:latin typeface="Calibri"/>
+                          <a:ea typeface="Times New Roman"/>
+                          <a:cs typeface="Calibri"/>
+                        </a:rPr>
+                        <a:t> the doctor for each patient itself - </a:t>
+                      </a:r>
+                      <a:r>
+                        <a:rPr lang="el-GR" sz="1100" dirty="0" err="1" smtClean="0">
+                          <a:solidFill>
+                            <a:srgbClr val="000000"/>
+                          </a:solidFill>
+                          <a:latin typeface="Calibri"/>
+                          <a:ea typeface="Times New Roman"/>
+                          <a:cs typeface="Calibri"/>
+                        </a:rPr>
+                        <a:t>benigh</a:t>
+                      </a:r>
+                      <a:r>
+                        <a:rPr lang="el-GR" sz="1100" dirty="0" smtClean="0">
+                          <a:solidFill>
+                            <a:srgbClr val="000000"/>
+                          </a:solidFill>
+                          <a:latin typeface="Calibri"/>
+                          <a:ea typeface="Times New Roman"/>
+                          <a:cs typeface="Calibri"/>
+                        </a:rPr>
+                        <a:t> (2) ή </a:t>
+                      </a:r>
+                      <a:r>
+                        <a:rPr lang="el-GR" sz="1100" dirty="0" err="1" smtClean="0">
+                          <a:solidFill>
+                            <a:srgbClr val="000000"/>
+                          </a:solidFill>
+                          <a:latin typeface="Calibri"/>
+                          <a:ea typeface="Times New Roman"/>
+                          <a:cs typeface="Calibri"/>
+                        </a:rPr>
+                        <a:t>malignant</a:t>
+                      </a:r>
+                      <a:r>
+                        <a:rPr lang="el-GR" sz="1100" dirty="0" smtClean="0">
+                          <a:solidFill>
+                            <a:srgbClr val="000000"/>
+                          </a:solidFill>
+                          <a:latin typeface="Calibri"/>
+                          <a:ea typeface="Times New Roman"/>
+                          <a:cs typeface="Calibri"/>
+                        </a:rPr>
+                        <a:t> (4) </a:t>
+                      </a:r>
+                      <a:endParaRPr lang="en-US" sz="1100" dirty="0" smtClean="0">
+                        <a:solidFill>
+                          <a:srgbClr val="000000"/>
+                        </a:solidFill>
+                        <a:latin typeface="Calibri"/>
+                        <a:ea typeface="Times New Roman"/>
+                        <a:cs typeface="Calibri"/>
+                      </a:endParaRPr>
+                    </a:p>
+                  </a:txBody>
+                  <a:tcPr marL="68580" marR="68580" marT="0" marB="0" anchor="ctr"/>
+                </a:tc>
+              </a:tr>
+            </a:tbl>
+          </a:graphicData>
+        </a:graphic>
+      </p:graphicFrame>
+    </p:spTree>
+  </p:cSld>
+  <p:clrMapOvr>
+    <a:masterClrMapping/>
+  </p:clrMapOvr>
+</p:sld>
+</file>
+
+<file path=ppt/slides/slide4.xml><?xml version="1.0" encoding="utf-8"?>
+<p:sld xmlns:a="http://schemas.openxmlformats.org/drawingml/2006/main" xmlns:r="http://schemas.openxmlformats.org/officeDocument/2006/relationships" xmlns:p="http://schemas.openxmlformats.org/presentationml/2006/main">
+  <p:cSld>
+    <p:spTree>
+      <p:nvGrpSpPr>
+        <p:cNvPr id="1" name=""/>
+        <p:cNvGrpSpPr/>
+        <p:nvPr/>
+      </p:nvGrpSpPr>
+      <p:grpSpPr>
+        <a:xfrm>
+          <a:off x="0" y="0"/>
+          <a:ext cx="0" cy="0"/>
+          <a:chOff x="0" y="0"/>
+          <a:chExt cx="0" cy="0"/>
+        </a:xfrm>
+      </p:grpSpPr>
+      <p:sp>
+        <p:nvSpPr>
+          <p:cNvPr id="2" name="1 - Τίτλος"/>
           <p:cNvSpPr>
             <a:spLocks noGrp="1"/>
           </p:cNvSpPr>
           <p:nvPr>
+            <p:ph type="title"/>
+          </p:nvPr>
+        </p:nvSpPr>
+        <p:spPr/>
+        <p:txBody>
+          <a:bodyPr/>
+          <a:lstStyle/>
+          <a:p>
+            <a:r>
+              <a:rPr lang="en-US" dirty="0" smtClean="0"/>
+              <a:t>Results (1)</a:t>
+            </a:r>
+            <a:endParaRPr lang="el-GR" dirty="0"/>
+          </a:p>
+        </p:txBody>
+      </p:sp>
+      <p:pic>
+        <p:nvPicPr>
+          <p:cNvPr id="4" name="3 - Θέση περιεχομένου"/>
+          <p:cNvPicPr>
+            <a:picLocks noGrp="1"/>
+          </p:cNvPicPr>
+          <p:nvPr>
             <p:ph sz="quarter" idx="1"/>
           </p:nvPr>
+        </p:nvPicPr>
+        <p:blipFill>
+          <a:blip r:embed="rId3" cstate="print"/>
+          <a:srcRect/>
+          <a:stretch>
+            <a:fillRect/>
+          </a:stretch>
+        </p:blipFill>
+        <p:spPr bwMode="auto">
+          <a:xfrm>
+            <a:off x="899592" y="2420888"/>
+            <a:ext cx="2952328" cy="1656184"/>
+          </a:xfrm>
+          <a:prstGeom prst="rect">
+            <a:avLst/>
+          </a:prstGeom>
+          <a:noFill/>
+          <a:ln w="9525">
+            <a:noFill/>
+            <a:miter lim="800000"/>
+            <a:headEnd/>
+            <a:tailEnd/>
+          </a:ln>
+        </p:spPr>
+      </p:pic>
+      <p:pic>
+        <p:nvPicPr>
+          <p:cNvPr id="5" name="4 - Εικόνα"/>
+          <p:cNvPicPr/>
+          <p:nvPr/>
+        </p:nvPicPr>
+        <p:blipFill>
+          <a:blip r:embed="rId4" cstate="print"/>
+          <a:srcRect/>
+          <a:stretch>
+            <a:fillRect/>
+          </a:stretch>
+        </p:blipFill>
+        <p:spPr bwMode="auto">
+          <a:xfrm>
+            <a:off x="4139952" y="2492896"/>
+            <a:ext cx="2910364" cy="800100"/>
+          </a:xfrm>
+          <a:prstGeom prst="rect">
+            <a:avLst/>
+          </a:prstGeom>
+          <a:noFill/>
+          <a:ln w="9525">
+            <a:noFill/>
+            <a:miter lim="800000"/>
+            <a:headEnd/>
+            <a:tailEnd/>
+          </a:ln>
+        </p:spPr>
+      </p:pic>
+      <p:sp>
+        <p:nvSpPr>
+          <p:cNvPr id="6" name="5 - TextBox"/>
+          <p:cNvSpPr txBox="1"/>
+          <p:nvPr/>
         </p:nvSpPr>
         <p:spPr>
           <a:xfrm>
-            <a:off x="457200" y="1600200"/>
-            <a:ext cx="7467600" cy="1108720"/>
-          </a:xfrm>
-        </p:spPr>
-        <p:txBody>
-          <a:bodyPr>
-            <a:normAutofit fontScale="55000" lnSpcReduction="20000"/>
+            <a:off x="539552" y="1412776"/>
+            <a:ext cx="7920880" cy="923330"/>
+          </a:xfrm>
+          <a:prstGeom prst="rect">
+            <a:avLst/>
+          </a:prstGeom>
+          <a:noFill/>
+        </p:spPr>
+        <p:txBody>
+          <a:bodyPr wrap="square" rtlCol="0">
+            <a:spAutoFit/>
           </a:bodyPr>
           <a:lstStyle/>
           <a:p>
+            <a:r>
+              <a:rPr lang="en-US" b="1" u="sng" dirty="0" smtClean="0"/>
+              <a:t>Hierarchical clustering: </a:t>
+            </a:r>
+          </a:p>
+          <a:p>
             <a:pPr>
-              <a:buNone/>
+              <a:buFont typeface="Arial" pitchFamily="34" charset="0"/>
+              <a:buChar char="•"/>
             </a:pPr>
             <a:r>
-              <a:rPr lang="en-US" dirty="0" smtClean="0">
-                <a:hlinkClick r:id="rId2"/>
-              </a:rPr>
-              <a:t>Index of /ml/machine-learning-databases/breast-cancer-</a:t>
-            </a:r>
-            <a:r>
-              <a:rPr lang="en-US" dirty="0" err="1" smtClean="0">
-                <a:hlinkClick r:id="rId2"/>
-              </a:rPr>
-              <a:t>wisconsin</a:t>
-            </a:r>
-            <a:r>
-              <a:rPr lang="en-US" dirty="0" smtClean="0">
-                <a:hlinkClick r:id="rId2"/>
-              </a:rPr>
-              <a:t> (uci.edu)</a:t>
-            </a:r>
-            <a:r>
               <a:rPr lang="en-US" dirty="0" smtClean="0"/>
-              <a:t>  [</a:t>
-            </a:r>
-            <a:r>
-              <a:rPr lang="en-US" dirty="0" err="1" smtClean="0"/>
-              <a:t>Wolberg</a:t>
-            </a:r>
+              <a:t>Output of 2 Groups</a:t>
+            </a:r>
+          </a:p>
+          <a:p>
+            <a:pPr>
+              <a:buFont typeface="Arial" pitchFamily="34" charset="0"/>
+              <a:buChar char="•"/>
+            </a:pPr>
             <a:r>
               <a:rPr lang="en-US" dirty="0" smtClean="0"/>
-              <a:t>, W. , Street N. and </a:t>
-            </a:r>
-            <a:r>
-              <a:rPr lang="en-US" dirty="0" err="1" smtClean="0"/>
-              <a:t>Mangasarian</a:t>
-            </a:r>
+              <a:t>Makes use of the whole dataset to create clusters</a:t>
+            </a:r>
+            <a:endParaRPr lang="el-GR" dirty="0"/>
+          </a:p>
+        </p:txBody>
+      </p:sp>
+      <p:pic>
+        <p:nvPicPr>
+          <p:cNvPr id="7" name="6 - Εικόνα"/>
+          <p:cNvPicPr/>
+          <p:nvPr/>
+        </p:nvPicPr>
+        <p:blipFill>
+          <a:blip r:embed="rId5" cstate="print"/>
+          <a:srcRect/>
+          <a:stretch>
+            <a:fillRect/>
+          </a:stretch>
+        </p:blipFill>
+        <p:spPr bwMode="auto">
+          <a:xfrm>
+            <a:off x="1547664" y="5517232"/>
+            <a:ext cx="2886052" cy="1032510"/>
+          </a:xfrm>
+          <a:prstGeom prst="rect">
+            <a:avLst/>
+          </a:prstGeom>
+          <a:noFill/>
+          <a:ln w="9525">
+            <a:noFill/>
+            <a:miter lim="800000"/>
+            <a:headEnd/>
+            <a:tailEnd/>
+          </a:ln>
+        </p:spPr>
+      </p:pic>
+      <p:pic>
+        <p:nvPicPr>
+          <p:cNvPr id="8" name="7 - Εικόνα"/>
+          <p:cNvPicPr/>
+          <p:nvPr/>
+        </p:nvPicPr>
+        <p:blipFill>
+          <a:blip r:embed="rId6" cstate="print"/>
+          <a:srcRect/>
+          <a:stretch>
+            <a:fillRect/>
+          </a:stretch>
+        </p:blipFill>
+        <p:spPr bwMode="auto">
+          <a:xfrm>
+            <a:off x="5796136" y="5517232"/>
+            <a:ext cx="576064" cy="1096492"/>
+          </a:xfrm>
+          <a:prstGeom prst="rect">
+            <a:avLst/>
+          </a:prstGeom>
+          <a:noFill/>
+          <a:ln w="9525">
+            <a:noFill/>
+            <a:miter lim="800000"/>
+            <a:headEnd/>
+            <a:tailEnd/>
+          </a:ln>
+        </p:spPr>
+      </p:pic>
+      <p:sp>
+        <p:nvSpPr>
+          <p:cNvPr id="9" name="8 - TextBox"/>
+          <p:cNvSpPr txBox="1"/>
+          <p:nvPr/>
+        </p:nvSpPr>
+        <p:spPr>
+          <a:xfrm>
+            <a:off x="611560" y="4221088"/>
+            <a:ext cx="7920880" cy="923330"/>
+          </a:xfrm>
+          <a:prstGeom prst="rect">
+            <a:avLst/>
+          </a:prstGeom>
+          <a:noFill/>
+        </p:spPr>
+        <p:txBody>
+          <a:bodyPr wrap="square" rtlCol="0">
+            <a:spAutoFit/>
+          </a:bodyPr>
+          <a:lstStyle/>
+          <a:p>
+            <a:r>
+              <a:rPr lang="en-US" b="1" u="sng" dirty="0" err="1" smtClean="0"/>
+              <a:t>Kmeans</a:t>
+            </a:r>
+            <a:r>
+              <a:rPr lang="en-US" b="1" u="sng" dirty="0" smtClean="0"/>
+              <a:t> clustering: </a:t>
+            </a:r>
+          </a:p>
+          <a:p>
+            <a:pPr>
+              <a:buFont typeface="Arial" pitchFamily="34" charset="0"/>
+              <a:buChar char="•"/>
+            </a:pPr>
             <a:r>
               <a:rPr lang="en-US" dirty="0" smtClean="0"/>
-              <a:t> O.. UCI Machine Learning Repository [http://archive.ics.uci.edu/mldatasets/Breast+Cancer+Wisconsin+%28Diagnostic%29]. Irvine, CA: University of California, School of Information and Computer Science</a:t>
-            </a:r>
+              <a:t>Output 2 Groups</a:t>
+            </a:r>
+          </a:p>
+          <a:p>
+            <a:pPr>
+              <a:buFont typeface="Arial" pitchFamily="34" charset="0"/>
+              <a:buChar char="•"/>
+            </a:pPr>
             <a:r>
               <a:rPr lang="en-US" dirty="0" smtClean="0"/>
-              <a:t>.]</a:t>
-            </a:r>
-            <a:r>
-              <a:rPr lang="el-GR" dirty="0" smtClean="0"/>
-              <a:t> (</a:t>
-            </a:r>
-            <a:r>
-              <a:rPr lang="en-US" dirty="0" smtClean="0">
-                <a:hlinkClick r:id="rId3"/>
-              </a:rPr>
-              <a:t>UCI </a:t>
-            </a:r>
-            <a:r>
-              <a:rPr lang="en-US" dirty="0" smtClean="0">
-                <a:hlinkClick r:id="rId3"/>
-              </a:rPr>
-              <a:t>Machine Learning Repository: Breast Cancer Wisconsin (Diagnostic) Data </a:t>
-            </a:r>
-            <a:r>
-              <a:rPr lang="en-US" dirty="0" smtClean="0">
-                <a:hlinkClick r:id="rId3"/>
-              </a:rPr>
-              <a:t>Set</a:t>
-            </a:r>
-            <a:r>
-              <a:rPr lang="el-GR" dirty="0" smtClean="0"/>
-              <a:t>)</a:t>
+              <a:t>Makes use of the whole dataset to create clusters</a:t>
             </a:r>
             <a:endParaRPr lang="el-GR" dirty="0"/>
           </a:p>
         </p:txBody>
       </p:sp>
+    </p:spTree>
+  </p:cSld>
+  <p:clrMapOvr>
+    <a:masterClrMapping/>
+  </p:clrMapOvr>
+</p:sld>
+</file>
+
+<file path=ppt/slides/slide5.xml><?xml version="1.0" encoding="utf-8"?>
+<p:sld xmlns:a="http://schemas.openxmlformats.org/drawingml/2006/main" xmlns:r="http://schemas.openxmlformats.org/officeDocument/2006/relationships" xmlns:p="http://schemas.openxmlformats.org/presentationml/2006/main">
+  <p:cSld>
+    <p:spTree>
+      <p:nvGrpSpPr>
+        <p:cNvPr id="1" name=""/>
+        <p:cNvGrpSpPr/>
+        <p:nvPr/>
+      </p:nvGrpSpPr>
+      <p:grpSpPr>
+        <a:xfrm>
+          <a:off x="0" y="0"/>
+          <a:ext cx="0" cy="0"/>
+          <a:chOff x="0" y="0"/>
+          <a:chExt cx="0" cy="0"/>
+        </a:xfrm>
+      </p:grpSpPr>
+      <p:sp>
+        <p:nvSpPr>
+          <p:cNvPr id="2" name="1 - Τίτλος"/>
+          <p:cNvSpPr>
+            <a:spLocks noGrp="1"/>
+          </p:cNvSpPr>
+          <p:nvPr>
+            <p:ph type="title"/>
+          </p:nvPr>
+        </p:nvSpPr>
+        <p:spPr/>
+        <p:txBody>
+          <a:bodyPr/>
+          <a:lstStyle/>
+          <a:p>
+            <a:r>
+              <a:rPr lang="en-US" dirty="0" smtClean="0"/>
+              <a:t>Results (2)</a:t>
+            </a:r>
+            <a:endParaRPr lang="el-GR" dirty="0"/>
+          </a:p>
+        </p:txBody>
+      </p:sp>
+      <p:pic>
+        <p:nvPicPr>
+          <p:cNvPr id="4" name="3 - Θέση περιεχομένου"/>
+          <p:cNvPicPr>
+            <a:picLocks noGrp="1"/>
+          </p:cNvPicPr>
+          <p:nvPr>
+            <p:ph sz="quarter" idx="1"/>
+          </p:nvPr>
+        </p:nvPicPr>
+        <p:blipFill>
+          <a:blip r:embed="rId2" cstate="print"/>
+          <a:srcRect/>
+          <a:stretch>
+            <a:fillRect/>
+          </a:stretch>
+        </p:blipFill>
+        <p:spPr bwMode="auto">
+          <a:xfrm>
+            <a:off x="1691680" y="2996952"/>
+            <a:ext cx="2020246" cy="954452"/>
+          </a:xfrm>
+          <a:prstGeom prst="rect">
+            <a:avLst/>
+          </a:prstGeom>
+          <a:noFill/>
+          <a:ln w="9525">
+            <a:noFill/>
+            <a:miter lim="800000"/>
+            <a:headEnd/>
+            <a:tailEnd/>
+          </a:ln>
+        </p:spPr>
+      </p:pic>
+      <p:pic>
+        <p:nvPicPr>
+          <p:cNvPr id="5" name="4 - Εικόνα"/>
+          <p:cNvPicPr/>
+          <p:nvPr/>
+        </p:nvPicPr>
+        <p:blipFill>
+          <a:blip r:embed="rId3" cstate="print"/>
+          <a:srcRect/>
+          <a:stretch>
+            <a:fillRect/>
+          </a:stretch>
+        </p:blipFill>
+        <p:spPr bwMode="auto">
+          <a:xfrm>
+            <a:off x="4499992" y="2852936"/>
+            <a:ext cx="720080" cy="1346840"/>
+          </a:xfrm>
+          <a:prstGeom prst="rect">
+            <a:avLst/>
+          </a:prstGeom>
+          <a:noFill/>
+          <a:ln w="9525">
+            <a:noFill/>
+            <a:miter lim="800000"/>
+            <a:headEnd/>
+            <a:tailEnd/>
+          </a:ln>
+        </p:spPr>
+      </p:pic>
+      <p:pic>
+        <p:nvPicPr>
+          <p:cNvPr id="6" name="5 - Εικόνα"/>
+          <p:cNvPicPr/>
+          <p:nvPr/>
+        </p:nvPicPr>
+        <p:blipFill>
+          <a:blip r:embed="rId4" cstate="print"/>
+          <a:srcRect/>
+          <a:stretch>
+            <a:fillRect/>
+          </a:stretch>
+        </p:blipFill>
+        <p:spPr bwMode="auto">
+          <a:xfrm>
+            <a:off x="6156176" y="2852936"/>
+            <a:ext cx="1368152" cy="1345577"/>
+          </a:xfrm>
+          <a:prstGeom prst="rect">
+            <a:avLst/>
+          </a:prstGeom>
+          <a:noFill/>
+          <a:ln w="9525">
+            <a:noFill/>
+            <a:miter lim="800000"/>
+            <a:headEnd/>
+            <a:tailEnd/>
+          </a:ln>
+        </p:spPr>
+      </p:pic>
+      <p:sp>
+        <p:nvSpPr>
+          <p:cNvPr id="7" name="6 - TextBox"/>
+          <p:cNvSpPr txBox="1"/>
+          <p:nvPr/>
+        </p:nvSpPr>
+        <p:spPr>
+          <a:xfrm>
+            <a:off x="611560" y="1556792"/>
+            <a:ext cx="7416824" cy="1200329"/>
+          </a:xfrm>
+          <a:prstGeom prst="rect">
+            <a:avLst/>
+          </a:prstGeom>
+          <a:noFill/>
+        </p:spPr>
+        <p:txBody>
+          <a:bodyPr wrap="square" rtlCol="0">
+            <a:spAutoFit/>
+          </a:bodyPr>
+          <a:lstStyle/>
+          <a:p>
+            <a:r>
+              <a:rPr lang="en-US" b="1" u="sng" dirty="0" smtClean="0"/>
+              <a:t>Decision tree:</a:t>
+            </a:r>
+          </a:p>
+          <a:p>
+            <a:pPr>
+              <a:buFont typeface="Arial" pitchFamily="34" charset="0"/>
+              <a:buChar char="•"/>
+            </a:pPr>
+            <a:r>
+              <a:rPr lang="en-US" dirty="0" smtClean="0"/>
+              <a:t>Makes use of 87% of the whole dataset</a:t>
+            </a:r>
+          </a:p>
+          <a:p>
+            <a:pPr>
+              <a:buFont typeface="Arial" pitchFamily="34" charset="0"/>
+              <a:buChar char="•"/>
+            </a:pPr>
+            <a:r>
+              <a:rPr lang="en-US" dirty="0" smtClean="0"/>
+              <a:t>Use the rest 13% of the dataset for prediction and model assessment</a:t>
+            </a:r>
+            <a:endParaRPr lang="el-GR" dirty="0"/>
+          </a:p>
+        </p:txBody>
+      </p:sp>
+      <p:sp>
+        <p:nvSpPr>
+          <p:cNvPr id="8" name="7 - TextBox"/>
+          <p:cNvSpPr txBox="1"/>
+          <p:nvPr/>
+        </p:nvSpPr>
+        <p:spPr>
+          <a:xfrm>
+            <a:off x="683568" y="4221088"/>
+            <a:ext cx="7416824" cy="646331"/>
+          </a:xfrm>
+          <a:prstGeom prst="rect">
+            <a:avLst/>
+          </a:prstGeom>
+          <a:noFill/>
+        </p:spPr>
+        <p:txBody>
+          <a:bodyPr wrap="square" rtlCol="0">
+            <a:spAutoFit/>
+          </a:bodyPr>
+          <a:lstStyle/>
+          <a:p>
+            <a:r>
+              <a:rPr lang="en-US" b="1" u="sng" dirty="0" smtClean="0"/>
+              <a:t>Comparison of  hierarchical clustering and tree model on the same dataset portion  - almost same prediction result: </a:t>
+            </a:r>
+            <a:endParaRPr lang="el-GR" b="1" u="sng" dirty="0"/>
+          </a:p>
+        </p:txBody>
+      </p:sp>
+      <p:pic>
+        <p:nvPicPr>
+          <p:cNvPr id="9" name="8 - Εικόνα"/>
+          <p:cNvPicPr/>
+          <p:nvPr/>
+        </p:nvPicPr>
+        <p:blipFill>
+          <a:blip r:embed="rId5" cstate="print"/>
+          <a:srcRect/>
+          <a:stretch>
+            <a:fillRect/>
+          </a:stretch>
+        </p:blipFill>
+        <p:spPr bwMode="auto">
+          <a:xfrm>
+            <a:off x="3419872" y="5229200"/>
+            <a:ext cx="2065020" cy="640080"/>
+          </a:xfrm>
+          <a:prstGeom prst="rect">
+            <a:avLst/>
+          </a:prstGeom>
+          <a:noFill/>
+          <a:ln w="9525">
+            <a:noFill/>
+            <a:miter lim="800000"/>
+            <a:headEnd/>
+            <a:tailEnd/>
+          </a:ln>
+        </p:spPr>
+      </p:pic>
     </p:spTree>
   </p:cSld>
   <p:clrMapOvr>
@@ -5671,4 +7347,287 @@
   <a:objectDefaults/>
   <a:extraClrSchemeLst/>
 </a:theme>
+</file>
+
+<file path=ppt/theme/theme2.xml><?xml version="1.0" encoding="utf-8"?>
+<a:theme xmlns:a="http://schemas.openxmlformats.org/drawingml/2006/main" name="Θέμα του Office">
+  <a:themeElements>
+    <a:clrScheme name="Office">
+      <a:dk1>
+        <a:sysClr val="windowText" lastClr="000000"/>
+      </a:dk1>
+      <a:lt1>
+        <a:sysClr val="window" lastClr="FFFFFF"/>
+      </a:lt1>
+      <a:dk2>
+        <a:srgbClr val="1F497D"/>
+      </a:dk2>
+      <a:lt2>
+        <a:srgbClr val="EEECE1"/>
+      </a:lt2>
+      <a:accent1>
+        <a:srgbClr val="4F81BD"/>
+      </a:accent1>
+      <a:accent2>
+        <a:srgbClr val="C0504D"/>
+      </a:accent2>
+      <a:accent3>
+        <a:srgbClr val="9BBB59"/>
+      </a:accent3>
+      <a:accent4>
+        <a:srgbClr val="8064A2"/>
+      </a:accent4>
+      <a:accent5>
+        <a:srgbClr val="4BACC6"/>
+      </a:accent5>
+      <a:accent6>
+        <a:srgbClr val="F79646"/>
+      </a:accent6>
+      <a:hlink>
+        <a:srgbClr val="0000FF"/>
+      </a:hlink>
+      <a:folHlink>
+        <a:srgbClr val="800080"/>
+      </a:folHlink>
+    </a:clrScheme>
+    <a:fontScheme name="Office">
+      <a:majorFont>
+        <a:latin typeface="Calibri"/>
+        <a:ea typeface=""/>
+        <a:cs typeface=""/>
+        <a:font script="Jpan" typeface="ＭＳ Ｐゴシック"/>
+        <a:font script="Hang" typeface="맑은 고딕"/>
+        <a:font script="Hans" typeface="宋体"/>
+        <a:font script="Hant" typeface="新細明體"/>
+        <a:font script="Arab" typeface="Times New Roman"/>
+        <a:font script="Hebr" typeface="Times New Roman"/>
+        <a:font script="Thai" typeface="Angsana New"/>
+        <a:font script="Ethi" typeface="Nyala"/>
+        <a:font script="Beng" typeface="Vrinda"/>
+        <a:font script="Gujr" typeface="Shruti"/>
+        <a:font script="Khmr" typeface="MoolBoran"/>
+        <a:font script="Knda" typeface="Tunga"/>
+        <a:font script="Guru" typeface="Raavi"/>
+        <a:font script="Cans" typeface="Euphemia"/>
+        <a:font script="Cher" typeface="Plantagenet Cherokee"/>
+        <a:font script="Yiii" typeface="Microsoft Yi Baiti"/>
+        <a:font script="Tibt" typeface="Microsoft Himalaya"/>
+        <a:font script="Thaa" typeface="MV Boli"/>
+        <a:font script="Deva" typeface="Mangal"/>
+        <a:font script="Telu" typeface="Gautami"/>
+        <a:font script="Taml" typeface="Latha"/>
+        <a:font script="Syrc" typeface="Estrangelo Edessa"/>
+        <a:font script="Orya" typeface="Kalinga"/>
+        <a:font script="Mlym" typeface="Kartika"/>
+        <a:font script="Laoo" typeface="DokChampa"/>
+        <a:font script="Sinh" typeface="Iskoola Pota"/>
+        <a:font script="Mong" typeface="Mongolian Baiti"/>
+        <a:font script="Viet" typeface="Times New Roman"/>
+        <a:font script="Uigh" typeface="Microsoft Uighur"/>
+      </a:majorFont>
+      <a:minorFont>
+        <a:latin typeface="Calibri"/>
+        <a:ea typeface=""/>
+        <a:cs typeface=""/>
+        <a:font script="Jpan" typeface="ＭＳ Ｐゴシック"/>
+        <a:font script="Hang" typeface="맑은 고딕"/>
+        <a:font script="Hans" typeface="宋体"/>
+        <a:font script="Hant" typeface="新細明體"/>
+        <a:font script="Arab" typeface="Arial"/>
+        <a:font script="Hebr" typeface="Arial"/>
+        <a:font script="Thai" typeface="Cordia New"/>
+        <a:font script="Ethi" typeface="Nyala"/>
+        <a:font script="Beng" typeface="Vrinda"/>
+        <a:font script="Gujr" typeface="Shruti"/>
+        <a:font script="Khmr" typeface="DaunPenh"/>
+        <a:font script="Knda" typeface="Tunga"/>
+        <a:font script="Guru" typeface="Raavi"/>
+        <a:font script="Cans" typeface="Euphemia"/>
+        <a:font script="Cher" typeface="Plantagenet Cherokee"/>
+        <a:font script="Yiii" typeface="Microsoft Yi Baiti"/>
+        <a:font script="Tibt" typeface="Microsoft Himalaya"/>
+        <a:font script="Thaa" typeface="MV Boli"/>
+        <a:font script="Deva" typeface="Mangal"/>
+        <a:font script="Telu" typeface="Gautami"/>
+        <a:font script="Taml" typeface="Latha"/>
+        <a:font script="Syrc" typeface="Estrangelo Edessa"/>
+        <a:font script="Orya" typeface="Kalinga"/>
+        <a:font script="Mlym" typeface="Kartika"/>
+        <a:font script="Laoo" typeface="DokChampa"/>
+        <a:font script="Sinh" typeface="Iskoola Pota"/>
+        <a:font script="Mong" typeface="Mongolian Baiti"/>
+        <a:font script="Viet" typeface="Arial"/>
+        <a:font script="Uigh" typeface="Microsoft Uighur"/>
+      </a:minorFont>
+    </a:fontScheme>
+    <a:fmtScheme name="Office">
+      <a:fillStyleLst>
+        <a:solidFill>
+          <a:schemeClr val="phClr"/>
+        </a:solidFill>
+        <a:gradFill rotWithShape="1">
+          <a:gsLst>
+            <a:gs pos="0">
+              <a:schemeClr val="phClr">
+                <a:tint val="50000"/>
+                <a:satMod val="300000"/>
+              </a:schemeClr>
+            </a:gs>
+            <a:gs pos="35000">
+              <a:schemeClr val="phClr">
+                <a:tint val="37000"/>
+                <a:satMod val="300000"/>
+              </a:schemeClr>
+            </a:gs>
+            <a:gs pos="100000">
+              <a:schemeClr val="phClr">
+                <a:tint val="15000"/>
+                <a:satMod val="350000"/>
+              </a:schemeClr>
+            </a:gs>
+          </a:gsLst>
+          <a:lin ang="16200000" scaled="1"/>
+        </a:gradFill>
+        <a:gradFill rotWithShape="1">
+          <a:gsLst>
+            <a:gs pos="0">
+              <a:schemeClr val="phClr">
+                <a:shade val="51000"/>
+                <a:satMod val="130000"/>
+              </a:schemeClr>
+            </a:gs>
+            <a:gs pos="80000">
+              <a:schemeClr val="phClr">
+                <a:shade val="93000"/>
+                <a:satMod val="130000"/>
+              </a:schemeClr>
+            </a:gs>
+            <a:gs pos="100000">
+              <a:schemeClr val="phClr">
+                <a:shade val="94000"/>
+                <a:satMod val="135000"/>
+              </a:schemeClr>
+            </a:gs>
+          </a:gsLst>
+          <a:lin ang="16200000" scaled="0"/>
+        </a:gradFill>
+      </a:fillStyleLst>
+      <a:lnStyleLst>
+        <a:ln w="9525" cap="flat" cmpd="sng" algn="ctr">
+          <a:solidFill>
+            <a:schemeClr val="phClr">
+              <a:shade val="95000"/>
+              <a:satMod val="105000"/>
+            </a:schemeClr>
+          </a:solidFill>
+          <a:prstDash val="solid"/>
+        </a:ln>
+        <a:ln w="25400" cap="flat" cmpd="sng" algn="ctr">
+          <a:solidFill>
+            <a:schemeClr val="phClr"/>
+          </a:solidFill>
+          <a:prstDash val="solid"/>
+        </a:ln>
+        <a:ln w="38100" cap="flat" cmpd="sng" algn="ctr">
+          <a:solidFill>
+            <a:schemeClr val="phClr"/>
+          </a:solidFill>
+          <a:prstDash val="solid"/>
+        </a:ln>
+      </a:lnStyleLst>
+      <a:effectStyleLst>
+        <a:effectStyle>
+          <a:effectLst>
+            <a:outerShdw blurRad="40000" dist="20000" dir="5400000" rotWithShape="0">
+              <a:srgbClr val="000000">
+                <a:alpha val="38000"/>
+              </a:srgbClr>
+            </a:outerShdw>
+          </a:effectLst>
+        </a:effectStyle>
+        <a:effectStyle>
+          <a:effectLst>
+            <a:outerShdw blurRad="40000" dist="23000" dir="5400000" rotWithShape="0">
+              <a:srgbClr val="000000">
+                <a:alpha val="35000"/>
+              </a:srgbClr>
+            </a:outerShdw>
+          </a:effectLst>
+        </a:effectStyle>
+        <a:effectStyle>
+          <a:effectLst>
+            <a:outerShdw blurRad="40000" dist="23000" dir="5400000" rotWithShape="0">
+              <a:srgbClr val="000000">
+                <a:alpha val="35000"/>
+              </a:srgbClr>
+            </a:outerShdw>
+          </a:effectLst>
+          <a:scene3d>
+            <a:camera prst="orthographicFront">
+              <a:rot lat="0" lon="0" rev="0"/>
+            </a:camera>
+            <a:lightRig rig="threePt" dir="t">
+              <a:rot lat="0" lon="0" rev="1200000"/>
+            </a:lightRig>
+          </a:scene3d>
+          <a:sp3d>
+            <a:bevelT w="63500" h="25400"/>
+          </a:sp3d>
+        </a:effectStyle>
+      </a:effectStyleLst>
+      <a:bgFillStyleLst>
+        <a:solidFill>
+          <a:schemeClr val="phClr"/>
+        </a:solidFill>
+        <a:gradFill rotWithShape="1">
+          <a:gsLst>
+            <a:gs pos="0">
+              <a:schemeClr val="phClr">
+                <a:tint val="40000"/>
+                <a:satMod val="350000"/>
+              </a:schemeClr>
+            </a:gs>
+            <a:gs pos="40000">
+              <a:schemeClr val="phClr">
+                <a:tint val="45000"/>
+                <a:shade val="99000"/>
+                <a:satMod val="350000"/>
+              </a:schemeClr>
+            </a:gs>
+            <a:gs pos="100000">
+              <a:schemeClr val="phClr">
+                <a:shade val="20000"/>
+                <a:satMod val="255000"/>
+              </a:schemeClr>
+            </a:gs>
+          </a:gsLst>
+          <a:path path="circle">
+            <a:fillToRect l="50000" t="-80000" r="50000" b="180000"/>
+          </a:path>
+        </a:gradFill>
+        <a:gradFill rotWithShape="1">
+          <a:gsLst>
+            <a:gs pos="0">
+              <a:schemeClr val="phClr">
+                <a:tint val="80000"/>
+                <a:satMod val="300000"/>
+              </a:schemeClr>
+            </a:gs>
+            <a:gs pos="100000">
+              <a:schemeClr val="phClr">
+                <a:shade val="30000"/>
+                <a:satMod val="200000"/>
+              </a:schemeClr>
+            </a:gs>
+          </a:gsLst>
+          <a:path path="circle">
+            <a:fillToRect l="50000" t="50000" r="50000" b="50000"/>
+          </a:path>
+        </a:gradFill>
+      </a:bgFillStyleLst>
+    </a:fmtScheme>
+  </a:themeElements>
+  <a:objectDefaults/>
+  <a:extraClrSchemeLst/>
+</a:theme>
 </file>